--- a/images/theory_analysis/Redis_Master_Slave_Cluster/Redis_Master_Slave_Cluster.pptx
+++ b/images/theory_analysis/Redis_Master_Slave_Cluster/Redis_Master_Slave_Cluster.pptx
@@ -214,7 +214,7 @@
           <a:p>
             <a:fld id="{6CD5550B-26C4-49A9-A5BA-636EF7BE6CE9}" type="datetimeFigureOut">
               <a:rPr lang="ko-KR" altLang="en-US" smtClean="0"/>
-              <a:t>2019-02-06</a:t>
+              <a:t>2019-02-10</a:t>
             </a:fld>
             <a:endParaRPr lang="ko-KR" altLang="en-US"/>
           </a:p>
@@ -828,7 +828,7 @@
           <a:p>
             <a:fld id="{FB30EDBD-1C2D-4C1E-B459-B60219FAB484}" type="datetimeFigureOut">
               <a:rPr lang="ko-KR" altLang="en-US" smtClean="0"/>
-              <a:t>2019-02-06</a:t>
+              <a:t>2019-02-10</a:t>
             </a:fld>
             <a:endParaRPr lang="ko-KR" altLang="en-US"/>
           </a:p>
@@ -991,7 +991,7 @@
           <a:p>
             <a:fld id="{FB30EDBD-1C2D-4C1E-B459-B60219FAB484}" type="datetimeFigureOut">
               <a:rPr lang="ko-KR" altLang="en-US" smtClean="0"/>
-              <a:t>2019-02-06</a:t>
+              <a:t>2019-02-10</a:t>
             </a:fld>
             <a:endParaRPr lang="ko-KR" altLang="en-US"/>
           </a:p>
@@ -1164,7 +1164,7 @@
           <a:p>
             <a:fld id="{FB30EDBD-1C2D-4C1E-B459-B60219FAB484}" type="datetimeFigureOut">
               <a:rPr lang="ko-KR" altLang="en-US" smtClean="0"/>
-              <a:t>2019-02-06</a:t>
+              <a:t>2019-02-10</a:t>
             </a:fld>
             <a:endParaRPr lang="ko-KR" altLang="en-US"/>
           </a:p>
@@ -1327,7 +1327,7 @@
           <a:p>
             <a:fld id="{FB30EDBD-1C2D-4C1E-B459-B60219FAB484}" type="datetimeFigureOut">
               <a:rPr lang="ko-KR" altLang="en-US" smtClean="0"/>
-              <a:t>2019-02-06</a:t>
+              <a:t>2019-02-10</a:t>
             </a:fld>
             <a:endParaRPr lang="ko-KR" altLang="en-US"/>
           </a:p>
@@ -1567,7 +1567,7 @@
           <a:p>
             <a:fld id="{FB30EDBD-1C2D-4C1E-B459-B60219FAB484}" type="datetimeFigureOut">
               <a:rPr lang="ko-KR" altLang="en-US" smtClean="0"/>
-              <a:t>2019-02-06</a:t>
+              <a:t>2019-02-10</a:t>
             </a:fld>
             <a:endParaRPr lang="ko-KR" altLang="en-US"/>
           </a:p>
@@ -1847,7 +1847,7 @@
           <a:p>
             <a:fld id="{FB30EDBD-1C2D-4C1E-B459-B60219FAB484}" type="datetimeFigureOut">
               <a:rPr lang="ko-KR" altLang="en-US" smtClean="0"/>
-              <a:t>2019-02-06</a:t>
+              <a:t>2019-02-10</a:t>
             </a:fld>
             <a:endParaRPr lang="ko-KR" altLang="en-US"/>
           </a:p>
@@ -2261,7 +2261,7 @@
           <a:p>
             <a:fld id="{FB30EDBD-1C2D-4C1E-B459-B60219FAB484}" type="datetimeFigureOut">
               <a:rPr lang="ko-KR" altLang="en-US" smtClean="0"/>
-              <a:t>2019-02-06</a:t>
+              <a:t>2019-02-10</a:t>
             </a:fld>
             <a:endParaRPr lang="ko-KR" altLang="en-US"/>
           </a:p>
@@ -2373,7 +2373,7 @@
           <a:p>
             <a:fld id="{FB30EDBD-1C2D-4C1E-B459-B60219FAB484}" type="datetimeFigureOut">
               <a:rPr lang="ko-KR" altLang="en-US" smtClean="0"/>
-              <a:t>2019-02-06</a:t>
+              <a:t>2019-02-10</a:t>
             </a:fld>
             <a:endParaRPr lang="ko-KR" altLang="en-US"/>
           </a:p>
@@ -2463,7 +2463,7 @@
           <a:p>
             <a:fld id="{FB30EDBD-1C2D-4C1E-B459-B60219FAB484}" type="datetimeFigureOut">
               <a:rPr lang="ko-KR" altLang="en-US" smtClean="0"/>
-              <a:t>2019-02-06</a:t>
+              <a:t>2019-02-10</a:t>
             </a:fld>
             <a:endParaRPr lang="ko-KR" altLang="en-US"/>
           </a:p>
@@ -2733,7 +2733,7 @@
           <a:p>
             <a:fld id="{FB30EDBD-1C2D-4C1E-B459-B60219FAB484}" type="datetimeFigureOut">
               <a:rPr lang="ko-KR" altLang="en-US" smtClean="0"/>
-              <a:t>2019-02-06</a:t>
+              <a:t>2019-02-10</a:t>
             </a:fld>
             <a:endParaRPr lang="ko-KR" altLang="en-US"/>
           </a:p>
@@ -2980,7 +2980,7 @@
           <a:p>
             <a:fld id="{FB30EDBD-1C2D-4C1E-B459-B60219FAB484}" type="datetimeFigureOut">
               <a:rPr lang="ko-KR" altLang="en-US" smtClean="0"/>
-              <a:t>2019-02-06</a:t>
+              <a:t>2019-02-10</a:t>
             </a:fld>
             <a:endParaRPr lang="ko-KR" altLang="en-US"/>
           </a:p>
@@ -3186,7 +3186,7 @@
           <a:p>
             <a:fld id="{FB30EDBD-1C2D-4C1E-B459-B60219FAB484}" type="datetimeFigureOut">
               <a:rPr lang="ko-KR" altLang="en-US" smtClean="0"/>
-              <a:t>2019-02-06</a:t>
+              <a:t>2019-02-10</a:t>
             </a:fld>
             <a:endParaRPr lang="ko-KR" altLang="en-US"/>
           </a:p>
@@ -4796,8 +4796,8 @@
         </p:nvGrpSpPr>
         <p:grpSpPr>
           <a:xfrm>
-            <a:off x="1205880" y="3723878"/>
-            <a:ext cx="6732240" cy="360040"/>
+            <a:off x="1205880" y="3693778"/>
+            <a:ext cx="6732240" cy="648072"/>
             <a:chOff x="2330751" y="2391730"/>
             <a:chExt cx="6732240" cy="360040"/>
           </a:xfrm>
@@ -4848,10 +4848,17 @@
             <a:p>
               <a:pPr algn="ctr"/>
               <a:r>
-                <a:rPr lang="en-US" altLang="ko-KR" sz="1600"/>
-                <a:t>Redis - Slave</a:t>
+                <a:rPr lang="en-US" altLang="ko-KR" sz="1600" dirty="0"/>
+                <a:t>Redis – Slave</a:t>
               </a:r>
-              <a:endParaRPr lang="ko-KR" altLang="en-US" sz="1600"/>
+            </a:p>
+            <a:p>
+              <a:pPr algn="ctr"/>
+              <a:r>
+                <a:rPr lang="en-US" altLang="ko-KR" sz="1600" dirty="0"/>
+                <a:t>5462 ~ 10922</a:t>
+              </a:r>
+              <a:endParaRPr lang="ko-KR" altLang="en-US" sz="1600" dirty="0"/>
             </a:p>
           </p:txBody>
         </p:sp>
@@ -4901,10 +4908,17 @@
             <a:p>
               <a:pPr algn="ctr"/>
               <a:r>
-                <a:rPr lang="en-US" altLang="ko-KR" sz="1600"/>
+                <a:rPr lang="en-US" altLang="ko-KR" sz="1600" dirty="0"/>
                 <a:t>Redis - Slave</a:t>
               </a:r>
-              <a:endParaRPr lang="ko-KR" altLang="en-US" sz="1600"/>
+            </a:p>
+            <a:p>
+              <a:pPr algn="ctr"/>
+              <a:r>
+                <a:rPr lang="en-US" altLang="ko-KR" sz="1600" dirty="0"/>
+                <a:t>0 ~ 5461</a:t>
+              </a:r>
+              <a:endParaRPr lang="ko-KR" altLang="en-US" sz="1600" dirty="0"/>
             </a:p>
           </p:txBody>
         </p:sp>
@@ -4954,10 +4968,17 @@
             <a:p>
               <a:pPr algn="ctr"/>
               <a:r>
-                <a:rPr lang="en-US" altLang="ko-KR" sz="1600"/>
-                <a:t>Redis - Slave</a:t>
+                <a:rPr lang="en-US" altLang="ko-KR" sz="1600" dirty="0"/>
+                <a:t>Redis – Slave</a:t>
               </a:r>
-              <a:endParaRPr lang="ko-KR" altLang="en-US" sz="1600"/>
+            </a:p>
+            <a:p>
+              <a:pPr algn="ctr"/>
+              <a:r>
+                <a:rPr lang="en-US" altLang="ko-KR" sz="1600" dirty="0"/>
+                <a:t>10923 ~ 16384</a:t>
+              </a:r>
+              <a:endParaRPr lang="ko-KR" altLang="en-US" sz="1600" dirty="0"/>
             </a:p>
           </p:txBody>
         </p:sp>
@@ -4979,8 +5000,8 @@
         </p:nvCxnSpPr>
         <p:spPr>
           <a:xfrm flipH="1" flipV="1">
-            <a:off x="2159859" y="3024752"/>
-            <a:ext cx="127" cy="699126"/>
+            <a:off x="2159859" y="3124439"/>
+            <a:ext cx="127" cy="569339"/>
           </a:xfrm>
           <a:prstGeom prst="line">
             <a:avLst/>
@@ -5021,9 +5042,9 @@
           <p:nvPr/>
         </p:nvCxnSpPr>
         <p:spPr>
-          <a:xfrm flipH="1" flipV="1">
+          <a:xfrm flipV="1">
             <a:off x="4499992" y="3024752"/>
-            <a:ext cx="254" cy="699126"/>
+            <a:ext cx="0" cy="679415"/>
           </a:xfrm>
           <a:prstGeom prst="line">
             <a:avLst/>
@@ -5067,8 +5088,8 @@
         </p:nvCxnSpPr>
         <p:spPr>
           <a:xfrm flipH="1" flipV="1">
-            <a:off x="6983760" y="3024752"/>
-            <a:ext cx="254" cy="699126"/>
+            <a:off x="6983760" y="3124439"/>
+            <a:ext cx="254" cy="569339"/>
           </a:xfrm>
           <a:prstGeom prst="line">
             <a:avLst/>
@@ -5113,7 +5134,7 @@
         <p:spPr>
           <a:xfrm>
             <a:off x="4572000" y="1995686"/>
-            <a:ext cx="254" cy="1728192"/>
+            <a:ext cx="254" cy="1698092"/>
           </a:xfrm>
           <a:prstGeom prst="line">
             <a:avLst/>
@@ -5153,8 +5174,8 @@
         </p:nvGrpSpPr>
         <p:grpSpPr>
           <a:xfrm>
-            <a:off x="1205753" y="2664712"/>
-            <a:ext cx="6732113" cy="360040"/>
+            <a:off x="1205753" y="2565025"/>
+            <a:ext cx="6732113" cy="559414"/>
             <a:chOff x="1205753" y="2664712"/>
             <a:chExt cx="6732113" cy="360040"/>
           </a:xfrm>
@@ -5205,10 +5226,17 @@
             <a:p>
               <a:pPr algn="ctr"/>
               <a:r>
-                <a:rPr lang="en-US" altLang="ko-KR" sz="1600"/>
-                <a:t>Redis - Master</a:t>
+                <a:rPr lang="en-US" altLang="ko-KR" sz="1600" dirty="0"/>
+                <a:t>Redis – Master</a:t>
               </a:r>
-              <a:endParaRPr lang="ko-KR" altLang="en-US"/>
+            </a:p>
+            <a:p>
+              <a:pPr algn="ctr"/>
+              <a:r>
+                <a:rPr lang="en-US" altLang="ko-KR" sz="1600" dirty="0"/>
+                <a:t>10923 ~ 16384</a:t>
+              </a:r>
+              <a:endParaRPr lang="ko-KR" altLang="en-US" dirty="0"/>
             </a:p>
           </p:txBody>
         </p:sp>
@@ -5258,10 +5286,17 @@
             <a:p>
               <a:pPr algn="ctr"/>
               <a:r>
-                <a:rPr lang="en-US" altLang="ko-KR" sz="1600"/>
-                <a:t>Redis - Master</a:t>
+                <a:rPr lang="en-US" altLang="ko-KR" sz="1600" dirty="0"/>
+                <a:t>Redis – Master</a:t>
               </a:r>
-              <a:endParaRPr lang="ko-KR" altLang="en-US"/>
+            </a:p>
+            <a:p>
+              <a:pPr algn="ctr"/>
+              <a:r>
+                <a:rPr lang="en-US" altLang="ko-KR" sz="1600" dirty="0"/>
+                <a:t>0 ~ 5461 </a:t>
+              </a:r>
+              <a:endParaRPr lang="ko-KR" altLang="en-US" dirty="0"/>
             </a:p>
           </p:txBody>
         </p:sp>
@@ -5311,10 +5346,17 @@
             <a:p>
               <a:pPr algn="ctr"/>
               <a:r>
-                <a:rPr lang="en-US" altLang="ko-KR" sz="1600"/>
-                <a:t>Redis - Master</a:t>
+                <a:rPr lang="en-US" altLang="ko-KR" sz="1600" dirty="0"/>
+                <a:t>Redis – Master</a:t>
               </a:r>
-              <a:endParaRPr lang="ko-KR" altLang="en-US"/>
+            </a:p>
+            <a:p>
+              <a:pPr algn="ctr"/>
+              <a:r>
+                <a:rPr lang="en-US" altLang="ko-KR" sz="1600" dirty="0"/>
+                <a:t>5462 ~ 10922</a:t>
+              </a:r>
+              <a:endParaRPr lang="ko-KR" altLang="en-US" dirty="0"/>
             </a:p>
           </p:txBody>
         </p:sp>
@@ -5338,7 +5380,7 @@
         <p:spPr>
           <a:xfrm flipH="1">
             <a:off x="2159986" y="1995686"/>
-            <a:ext cx="2412014" cy="1728192"/>
+            <a:ext cx="2412014" cy="1698092"/>
           </a:xfrm>
           <a:prstGeom prst="line">
             <a:avLst/>
@@ -5383,7 +5425,7 @@
         <p:spPr>
           <a:xfrm flipH="1">
             <a:off x="2159859" y="1995686"/>
-            <a:ext cx="2412141" cy="669026"/>
+            <a:ext cx="2412141" cy="569339"/>
           </a:xfrm>
           <a:prstGeom prst="line">
             <a:avLst/>
@@ -5428,7 +5470,7 @@
         <p:spPr>
           <a:xfrm>
             <a:off x="4572000" y="1995686"/>
-            <a:ext cx="2411760" cy="669026"/>
+            <a:ext cx="2411760" cy="569339"/>
           </a:xfrm>
           <a:prstGeom prst="line">
             <a:avLst/>
@@ -5473,7 +5515,7 @@
         <p:spPr>
           <a:xfrm>
             <a:off x="4572000" y="1995686"/>
-            <a:ext cx="2412014" cy="1728192"/>
+            <a:ext cx="2412014" cy="1698092"/>
           </a:xfrm>
           <a:prstGeom prst="line">
             <a:avLst/>
@@ -5516,8 +5558,8 @@
         </p:nvCxnSpPr>
         <p:spPr>
           <a:xfrm flipH="1" flipV="1">
-            <a:off x="2159859" y="3024752"/>
-            <a:ext cx="2340704" cy="697142"/>
+            <a:off x="2159859" y="3124439"/>
+            <a:ext cx="2338058" cy="564911"/>
           </a:xfrm>
           <a:prstGeom prst="line">
             <a:avLst/>
@@ -5561,8 +5603,8 @@
         </p:nvCxnSpPr>
         <p:spPr>
           <a:xfrm flipH="1" flipV="1">
-            <a:off x="2159859" y="3024752"/>
-            <a:ext cx="4824155" cy="699126"/>
+            <a:off x="2159859" y="3124439"/>
+            <a:ext cx="4824155" cy="569339"/>
           </a:xfrm>
           <a:prstGeom prst="line">
             <a:avLst/>
@@ -5599,14 +5641,13 @@
           </p:cNvPr>
           <p:cNvCxnSpPr>
             <a:cxnSpLocks/>
-            <a:stCxn id="7" idx="0"/>
           </p:cNvCxnSpPr>
           <p:nvPr/>
         </p:nvCxnSpPr>
         <p:spPr>
           <a:xfrm flipV="1">
-            <a:off x="2159986" y="3043158"/>
-            <a:ext cx="2348514" cy="680720"/>
+            <a:off x="2165936" y="3139466"/>
+            <a:ext cx="2348514" cy="536704"/>
           </a:xfrm>
           <a:prstGeom prst="line">
             <a:avLst/>
@@ -5650,8 +5691,8 @@
         </p:nvCxnSpPr>
         <p:spPr>
           <a:xfrm flipV="1">
-            <a:off x="2159986" y="3024752"/>
-            <a:ext cx="4823774" cy="699126"/>
+            <a:off x="2159986" y="3124439"/>
+            <a:ext cx="4823774" cy="569339"/>
           </a:xfrm>
           <a:prstGeom prst="line">
             <a:avLst/>
@@ -5688,14 +5729,13 @@
           </p:cNvPr>
           <p:cNvCxnSpPr>
             <a:cxnSpLocks/>
-            <a:stCxn id="8" idx="0"/>
           </p:cNvCxnSpPr>
           <p:nvPr/>
         </p:nvCxnSpPr>
         <p:spPr>
           <a:xfrm flipH="1" flipV="1">
-            <a:off x="4499675" y="3043158"/>
-            <a:ext cx="2484339" cy="680720"/>
+            <a:off x="4487597" y="3127731"/>
+            <a:ext cx="2484338" cy="536704"/>
           </a:xfrm>
           <a:prstGeom prst="line">
             <a:avLst/>
@@ -5738,8 +5778,8 @@
         </p:nvCxnSpPr>
         <p:spPr>
           <a:xfrm flipV="1">
-            <a:off x="4499358" y="3024752"/>
-            <a:ext cx="2484402" cy="699126"/>
+            <a:off x="4500033" y="3124439"/>
+            <a:ext cx="2483727" cy="560678"/>
           </a:xfrm>
           <a:prstGeom prst="line">
             <a:avLst/>

--- a/images/theory_analysis/Redis_Master_Slave_Cluster/Redis_Master_Slave_Cluster.pptx
+++ b/images/theory_analysis/Redis_Master_Slave_Cluster/Redis_Master_Slave_Cluster.pptx
@@ -4849,7 +4849,7 @@
               <a:pPr algn="ctr"/>
               <a:r>
                 <a:rPr lang="en-US" altLang="ko-KR" sz="1600" dirty="0"/>
-                <a:t>Redis – Slave</a:t>
+                <a:t>Redis - Slave</a:t>
               </a:r>
             </a:p>
             <a:p>
@@ -4969,7 +4969,7 @@
               <a:pPr algn="ctr"/>
               <a:r>
                 <a:rPr lang="en-US" altLang="ko-KR" sz="1600" dirty="0"/>
-                <a:t>Redis – Slave</a:t>
+                <a:t>Redis - Slave</a:t>
               </a:r>
             </a:p>
             <a:p>
@@ -5227,7 +5227,7 @@
               <a:pPr algn="ctr"/>
               <a:r>
                 <a:rPr lang="en-US" altLang="ko-KR" sz="1600" dirty="0"/>
-                <a:t>Redis – Master</a:t>
+                <a:t>Redis - Master</a:t>
               </a:r>
             </a:p>
             <a:p>
@@ -5287,7 +5287,7 @@
               <a:pPr algn="ctr"/>
               <a:r>
                 <a:rPr lang="en-US" altLang="ko-KR" sz="1600" dirty="0"/>
-                <a:t>Redis – Master</a:t>
+                <a:t>Redis - Master</a:t>
               </a:r>
             </a:p>
             <a:p>
@@ -5347,7 +5347,7 @@
               <a:pPr algn="ctr"/>
               <a:r>
                 <a:rPr lang="en-US" altLang="ko-KR" sz="1600" dirty="0"/>
-                <a:t>Redis – Master</a:t>
+                <a:t>Redis - Master</a:t>
               </a:r>
             </a:p>
             <a:p>

--- a/images/theory_analysis/Redis_Master_Slave_Cluster/Redis_Master_Slave_Cluster.pptx
+++ b/images/theory_analysis/Redis_Master_Slave_Cluster/Redis_Master_Slave_Cluster.pptx
@@ -214,7 +214,7 @@
           <a:p>
             <a:fld id="{6CD5550B-26C4-49A9-A5BA-636EF7BE6CE9}" type="datetimeFigureOut">
               <a:rPr lang="ko-KR" altLang="en-US" smtClean="0"/>
-              <a:t>2019-02-10</a:t>
+              <a:t>2019-02-14</a:t>
             </a:fld>
             <a:endParaRPr lang="ko-KR" altLang="en-US"/>
           </a:p>
@@ -828,7 +828,7 @@
           <a:p>
             <a:fld id="{FB30EDBD-1C2D-4C1E-B459-B60219FAB484}" type="datetimeFigureOut">
               <a:rPr lang="ko-KR" altLang="en-US" smtClean="0"/>
-              <a:t>2019-02-10</a:t>
+              <a:t>2019-02-14</a:t>
             </a:fld>
             <a:endParaRPr lang="ko-KR" altLang="en-US"/>
           </a:p>
@@ -991,7 +991,7 @@
           <a:p>
             <a:fld id="{FB30EDBD-1C2D-4C1E-B459-B60219FAB484}" type="datetimeFigureOut">
               <a:rPr lang="ko-KR" altLang="en-US" smtClean="0"/>
-              <a:t>2019-02-10</a:t>
+              <a:t>2019-02-14</a:t>
             </a:fld>
             <a:endParaRPr lang="ko-KR" altLang="en-US"/>
           </a:p>
@@ -1164,7 +1164,7 @@
           <a:p>
             <a:fld id="{FB30EDBD-1C2D-4C1E-B459-B60219FAB484}" type="datetimeFigureOut">
               <a:rPr lang="ko-KR" altLang="en-US" smtClean="0"/>
-              <a:t>2019-02-10</a:t>
+              <a:t>2019-02-14</a:t>
             </a:fld>
             <a:endParaRPr lang="ko-KR" altLang="en-US"/>
           </a:p>
@@ -1327,7 +1327,7 @@
           <a:p>
             <a:fld id="{FB30EDBD-1C2D-4C1E-B459-B60219FAB484}" type="datetimeFigureOut">
               <a:rPr lang="ko-KR" altLang="en-US" smtClean="0"/>
-              <a:t>2019-02-10</a:t>
+              <a:t>2019-02-14</a:t>
             </a:fld>
             <a:endParaRPr lang="ko-KR" altLang="en-US"/>
           </a:p>
@@ -1567,7 +1567,7 @@
           <a:p>
             <a:fld id="{FB30EDBD-1C2D-4C1E-B459-B60219FAB484}" type="datetimeFigureOut">
               <a:rPr lang="ko-KR" altLang="en-US" smtClean="0"/>
-              <a:t>2019-02-10</a:t>
+              <a:t>2019-02-14</a:t>
             </a:fld>
             <a:endParaRPr lang="ko-KR" altLang="en-US"/>
           </a:p>
@@ -1847,7 +1847,7 @@
           <a:p>
             <a:fld id="{FB30EDBD-1C2D-4C1E-B459-B60219FAB484}" type="datetimeFigureOut">
               <a:rPr lang="ko-KR" altLang="en-US" smtClean="0"/>
-              <a:t>2019-02-10</a:t>
+              <a:t>2019-02-14</a:t>
             </a:fld>
             <a:endParaRPr lang="ko-KR" altLang="en-US"/>
           </a:p>
@@ -2261,7 +2261,7 @@
           <a:p>
             <a:fld id="{FB30EDBD-1C2D-4C1E-B459-B60219FAB484}" type="datetimeFigureOut">
               <a:rPr lang="ko-KR" altLang="en-US" smtClean="0"/>
-              <a:t>2019-02-10</a:t>
+              <a:t>2019-02-14</a:t>
             </a:fld>
             <a:endParaRPr lang="ko-KR" altLang="en-US"/>
           </a:p>
@@ -2373,7 +2373,7 @@
           <a:p>
             <a:fld id="{FB30EDBD-1C2D-4C1E-B459-B60219FAB484}" type="datetimeFigureOut">
               <a:rPr lang="ko-KR" altLang="en-US" smtClean="0"/>
-              <a:t>2019-02-10</a:t>
+              <a:t>2019-02-14</a:t>
             </a:fld>
             <a:endParaRPr lang="ko-KR" altLang="en-US"/>
           </a:p>
@@ -2463,7 +2463,7 @@
           <a:p>
             <a:fld id="{FB30EDBD-1C2D-4C1E-B459-B60219FAB484}" type="datetimeFigureOut">
               <a:rPr lang="ko-KR" altLang="en-US" smtClean="0"/>
-              <a:t>2019-02-10</a:t>
+              <a:t>2019-02-14</a:t>
             </a:fld>
             <a:endParaRPr lang="ko-KR" altLang="en-US"/>
           </a:p>
@@ -2733,7 +2733,7 @@
           <a:p>
             <a:fld id="{FB30EDBD-1C2D-4C1E-B459-B60219FAB484}" type="datetimeFigureOut">
               <a:rPr lang="ko-KR" altLang="en-US" smtClean="0"/>
-              <a:t>2019-02-10</a:t>
+              <a:t>2019-02-14</a:t>
             </a:fld>
             <a:endParaRPr lang="ko-KR" altLang="en-US"/>
           </a:p>
@@ -2980,7 +2980,7 @@
           <a:p>
             <a:fld id="{FB30EDBD-1C2D-4C1E-B459-B60219FAB484}" type="datetimeFigureOut">
               <a:rPr lang="ko-KR" altLang="en-US" smtClean="0"/>
-              <a:t>2019-02-10</a:t>
+              <a:t>2019-02-14</a:t>
             </a:fld>
             <a:endParaRPr lang="ko-KR" altLang="en-US"/>
           </a:p>
@@ -3186,7 +3186,7 @@
           <a:p>
             <a:fld id="{FB30EDBD-1C2D-4C1E-B459-B60219FAB484}" type="datetimeFigureOut">
               <a:rPr lang="ko-KR" altLang="en-US" smtClean="0"/>
-              <a:t>2019-02-10</a:t>
+              <a:t>2019-02-14</a:t>
             </a:fld>
             <a:endParaRPr lang="ko-KR" altLang="en-US"/>
           </a:p>
@@ -3600,11 +3600,13 @@
         </p:nvSpPr>
         <p:spPr>
           <a:xfrm>
-            <a:off x="2771803" y="1822511"/>
-            <a:ext cx="3600394" cy="569221"/>
+            <a:off x="1498229" y="1635647"/>
+            <a:ext cx="2160230" cy="756086"/>
           </a:xfrm>
           <a:prstGeom prst="roundRect">
-            <a:avLst/>
+            <a:avLst>
+              <a:gd name="adj" fmla="val 14987"/>
+            </a:avLst>
           </a:prstGeom>
         </p:spPr>
         <p:style>
@@ -3627,17 +3629,25 @@
           <a:p>
             <a:pPr algn="ctr"/>
             <a:r>
-              <a:rPr lang="en-US" altLang="ko-KR" sz="1600"/>
+              <a:rPr lang="en-US" altLang="ko-KR" sz="1600" dirty="0" err="1"/>
               <a:t>HAProxy</a:t>
             </a:r>
+            <a:endParaRPr lang="en-US" altLang="ko-KR" sz="1600" dirty="0"/>
           </a:p>
           <a:p>
             <a:pPr algn="ctr"/>
             <a:r>
-              <a:rPr lang="en-US" altLang="ko-KR" sz="1400"/>
-              <a:t>Master (RW) Port : X / Slave (RO) Port : Y</a:t>
-            </a:r>
-            <a:endParaRPr lang="ko-KR" altLang="en-US" sz="1600"/>
+              <a:rPr lang="en-US" altLang="ko-KR" sz="1400" dirty="0"/>
+              <a:t>Master (RW) Port : X </a:t>
+            </a:r>
+          </a:p>
+          <a:p>
+            <a:pPr algn="ctr"/>
+            <a:r>
+              <a:rPr lang="en-US" altLang="ko-KR" sz="1400" dirty="0"/>
+              <a:t>/ Slave (RO) Port : Y</a:t>
+            </a:r>
+            <a:endParaRPr lang="ko-KR" altLang="en-US" sz="1600" dirty="0"/>
           </a:p>
         </p:txBody>
       </p:sp>
@@ -3835,7 +3845,7 @@
         </p:nvSpPr>
         <p:spPr>
           <a:xfrm>
-            <a:off x="3617894" y="1059582"/>
+            <a:off x="3617894" y="915568"/>
             <a:ext cx="1908212" cy="360040"/>
           </a:xfrm>
           <a:prstGeom prst="roundRect">
@@ -3862,10 +3872,10 @@
           <a:p>
             <a:pPr algn="ctr"/>
             <a:r>
-              <a:rPr lang="en-US" altLang="ko-KR" sz="1600"/>
+              <a:rPr lang="en-US" altLang="ko-KR" sz="1600" dirty="0"/>
               <a:t>Client</a:t>
             </a:r>
-            <a:endParaRPr lang="ko-KR" altLang="en-US"/>
+            <a:endParaRPr lang="ko-KR" altLang="en-US" dirty="0"/>
           </a:p>
         </p:txBody>
       </p:sp>
@@ -3976,8 +3986,8 @@
         </p:nvCxnSpPr>
         <p:spPr>
           <a:xfrm flipV="1">
-            <a:off x="2159986" y="3111812"/>
-            <a:ext cx="2412014" cy="1080120"/>
+            <a:off x="2159986" y="3219822"/>
+            <a:ext cx="2412014" cy="972110"/>
           </a:xfrm>
           <a:prstGeom prst="line">
             <a:avLst/>
@@ -4111,8 +4121,8 @@
         </p:nvCxnSpPr>
         <p:spPr>
           <a:xfrm flipH="1" flipV="1">
-            <a:off x="4572000" y="3111812"/>
-            <a:ext cx="254" cy="1080120"/>
+            <a:off x="4572000" y="3219822"/>
+            <a:ext cx="254" cy="972110"/>
           </a:xfrm>
           <a:prstGeom prst="line">
             <a:avLst/>
@@ -4201,8 +4211,8 @@
         </p:nvCxnSpPr>
         <p:spPr>
           <a:xfrm flipH="1" flipV="1">
-            <a:off x="4572000" y="3111812"/>
-            <a:ext cx="2412014" cy="1080120"/>
+            <a:off x="4572000" y="3219822"/>
+            <a:ext cx="2412014" cy="972110"/>
           </a:xfrm>
           <a:prstGeom prst="line">
             <a:avLst/>
@@ -4417,8 +4427,8 @@
         </p:nvCxnSpPr>
         <p:spPr>
           <a:xfrm flipH="1">
-            <a:off x="3365866" y="3111812"/>
-            <a:ext cx="1206134" cy="360040"/>
+            <a:off x="3365866" y="3219822"/>
+            <a:ext cx="1206134" cy="252030"/>
           </a:xfrm>
           <a:prstGeom prst="line">
             <a:avLst/>
@@ -4462,8 +4472,8 @@
         </p:nvCxnSpPr>
         <p:spPr>
           <a:xfrm>
-            <a:off x="4572000" y="3111812"/>
-            <a:ext cx="1206134" cy="360040"/>
+            <a:off x="4572000" y="3219822"/>
+            <a:ext cx="1206134" cy="252030"/>
           </a:xfrm>
           <a:prstGeom prst="line">
             <a:avLst/>
@@ -4507,8 +4517,8 @@
         </p:nvCxnSpPr>
         <p:spPr>
           <a:xfrm>
-            <a:off x="4572000" y="2391732"/>
-            <a:ext cx="0" cy="360040"/>
+            <a:off x="2578344" y="2391733"/>
+            <a:ext cx="1993656" cy="468049"/>
           </a:xfrm>
           <a:prstGeom prst="line">
             <a:avLst/>
@@ -4551,9 +4561,9 @@
           <p:nvPr/>
         </p:nvCxnSpPr>
         <p:spPr>
-          <a:xfrm>
-            <a:off x="4572000" y="1419622"/>
-            <a:ext cx="0" cy="402889"/>
+          <a:xfrm flipH="1">
+            <a:off x="2578344" y="1275608"/>
+            <a:ext cx="1993656" cy="360039"/>
           </a:xfrm>
           <a:prstGeom prst="line">
             <a:avLst/>
@@ -4596,9 +4606,9 @@
           <p:nvPr/>
         </p:nvCxnSpPr>
         <p:spPr>
-          <a:xfrm flipH="1">
-            <a:off x="3365866" y="2391732"/>
-            <a:ext cx="1206134" cy="1080120"/>
+          <a:xfrm>
+            <a:off x="2578344" y="2391733"/>
+            <a:ext cx="787522" cy="1080119"/>
           </a:xfrm>
           <a:prstGeom prst="line">
             <a:avLst/>
@@ -4642,8 +4652,8 @@
         </p:nvCxnSpPr>
         <p:spPr>
           <a:xfrm>
-            <a:off x="4572000" y="2391732"/>
-            <a:ext cx="1206134" cy="1080120"/>
+            <a:off x="2578344" y="2391733"/>
+            <a:ext cx="3199790" cy="1080119"/>
           </a:xfrm>
           <a:prstGeom prst="line">
             <a:avLst/>
@@ -4671,10 +4681,10 @@
       </p:cxnSp>
       <p:sp>
         <p:nvSpPr>
-          <p:cNvPr id="13" name="사각형: 둥근 모서리 12">
+          <p:cNvPr id="46" name="사각형: 둥근 모서리 45">
             <a:extLst>
               <a:ext uri="{FF2B5EF4-FFF2-40B4-BE49-F238E27FC236}">
-                <a16:creationId xmlns:a16="http://schemas.microsoft.com/office/drawing/2014/main" id="{C16E699C-45F4-4890-A07E-9CB4BA3CCF40}"/>
+                <a16:creationId xmlns:a16="http://schemas.microsoft.com/office/drawing/2014/main" id="{A1FF92E9-58AC-4B8E-9DE3-73853341C1D5}"/>
               </a:ext>
             </a:extLst>
           </p:cNvPr>
@@ -4683,17 +4693,14 @@
         </p:nvSpPr>
         <p:spPr>
           <a:xfrm>
-            <a:off x="3617894" y="2751772"/>
-            <a:ext cx="1908212" cy="360040"/>
+            <a:off x="5485531" y="1635647"/>
+            <a:ext cx="2160230" cy="756086"/>
           </a:xfrm>
           <a:prstGeom prst="roundRect">
-            <a:avLst/>
+            <a:avLst>
+              <a:gd name="adj" fmla="val 14987"/>
+            </a:avLst>
           </a:prstGeom>
-          <a:ln>
-            <a:solidFill>
-              <a:schemeClr val="tx2"/>
-            </a:solidFill>
-          </a:ln>
         </p:spPr>
         <p:style>
           <a:lnRef idx="2">
@@ -4715,10 +4722,358 @@
           <a:p>
             <a:pPr algn="ctr"/>
             <a:r>
-              <a:rPr lang="en-US" altLang="ko-KR" sz="1600"/>
+              <a:rPr lang="en-US" altLang="ko-KR" sz="1600" dirty="0" err="1"/>
+              <a:t>HAProxy</a:t>
+            </a:r>
+            <a:endParaRPr lang="en-US" altLang="ko-KR" sz="1600" dirty="0"/>
+          </a:p>
+          <a:p>
+            <a:pPr algn="ctr"/>
+            <a:r>
+              <a:rPr lang="en-US" altLang="ko-KR" sz="1400" dirty="0"/>
+              <a:t>Master (RW) Port : X </a:t>
+            </a:r>
+          </a:p>
+          <a:p>
+            <a:pPr algn="ctr"/>
+            <a:r>
+              <a:rPr lang="en-US" altLang="ko-KR" sz="1400" dirty="0"/>
+              <a:t>/ Slave (RO) Port : Y</a:t>
+            </a:r>
+            <a:endParaRPr lang="ko-KR" altLang="en-US" sz="1600" dirty="0"/>
+          </a:p>
+        </p:txBody>
+      </p:sp>
+      <p:cxnSp>
+        <p:nvCxnSpPr>
+          <p:cNvPr id="55" name="직선 연결선 54">
+            <a:extLst>
+              <a:ext uri="{FF2B5EF4-FFF2-40B4-BE49-F238E27FC236}">
+                <a16:creationId xmlns:a16="http://schemas.microsoft.com/office/drawing/2014/main" id="{90D1374A-ED41-47ED-BE2D-05BD6F0647D4}"/>
+              </a:ext>
+            </a:extLst>
+          </p:cNvPr>
+          <p:cNvCxnSpPr>
+            <a:cxnSpLocks/>
+            <a:stCxn id="46" idx="2"/>
+            <a:endCxn id="15" idx="0"/>
+          </p:cNvCxnSpPr>
+          <p:nvPr/>
+        </p:nvCxnSpPr>
+        <p:spPr>
+          <a:xfrm flipH="1">
+            <a:off x="5778134" y="2391733"/>
+            <a:ext cx="787512" cy="1080119"/>
+          </a:xfrm>
+          <a:prstGeom prst="line">
+            <a:avLst/>
+          </a:prstGeom>
+          <a:ln w="28575">
+            <a:solidFill>
+              <a:schemeClr val="tx1"/>
+            </a:solidFill>
+          </a:ln>
+        </p:spPr>
+        <p:style>
+          <a:lnRef idx="1">
+            <a:schemeClr val="accent1"/>
+          </a:lnRef>
+          <a:fillRef idx="0">
+            <a:schemeClr val="accent1"/>
+          </a:fillRef>
+          <a:effectRef idx="0">
+            <a:schemeClr val="accent1"/>
+          </a:effectRef>
+          <a:fontRef idx="minor">
+            <a:schemeClr val="tx1"/>
+          </a:fontRef>
+        </p:style>
+      </p:cxnSp>
+      <p:cxnSp>
+        <p:nvCxnSpPr>
+          <p:cNvPr id="61" name="직선 연결선 60">
+            <a:extLst>
+              <a:ext uri="{FF2B5EF4-FFF2-40B4-BE49-F238E27FC236}">
+                <a16:creationId xmlns:a16="http://schemas.microsoft.com/office/drawing/2014/main" id="{6BB26116-A3E1-49D5-98C1-9AD4F2880518}"/>
+              </a:ext>
+            </a:extLst>
+          </p:cNvPr>
+          <p:cNvCxnSpPr>
+            <a:cxnSpLocks/>
+            <a:stCxn id="46" idx="2"/>
+            <a:endCxn id="16" idx="0"/>
+          </p:cNvCxnSpPr>
+          <p:nvPr/>
+        </p:nvCxnSpPr>
+        <p:spPr>
+          <a:xfrm flipH="1">
+            <a:off x="3365866" y="2391733"/>
+            <a:ext cx="3199780" cy="1080119"/>
+          </a:xfrm>
+          <a:prstGeom prst="line">
+            <a:avLst/>
+          </a:prstGeom>
+          <a:ln w="28575">
+            <a:solidFill>
+              <a:schemeClr val="tx1"/>
+            </a:solidFill>
+          </a:ln>
+        </p:spPr>
+        <p:style>
+          <a:lnRef idx="1">
+            <a:schemeClr val="accent1"/>
+          </a:lnRef>
+          <a:fillRef idx="0">
+            <a:schemeClr val="accent1"/>
+          </a:fillRef>
+          <a:effectRef idx="0">
+            <a:schemeClr val="accent1"/>
+          </a:effectRef>
+          <a:fontRef idx="minor">
+            <a:schemeClr val="tx1"/>
+          </a:fontRef>
+        </p:style>
+      </p:cxnSp>
+      <p:cxnSp>
+        <p:nvCxnSpPr>
+          <p:cNvPr id="58" name="직선 연결선 57">
+            <a:extLst>
+              <a:ext uri="{FF2B5EF4-FFF2-40B4-BE49-F238E27FC236}">
+                <a16:creationId xmlns:a16="http://schemas.microsoft.com/office/drawing/2014/main" id="{61CBCA30-0ABF-4F16-9FB4-26AF51280597}"/>
+              </a:ext>
+            </a:extLst>
+          </p:cNvPr>
+          <p:cNvCxnSpPr>
+            <a:cxnSpLocks/>
+            <a:stCxn id="46" idx="2"/>
+            <a:endCxn id="13" idx="0"/>
+          </p:cNvCxnSpPr>
+          <p:nvPr/>
+        </p:nvCxnSpPr>
+        <p:spPr>
+          <a:xfrm flipH="1">
+            <a:off x="4572000" y="2391733"/>
+            <a:ext cx="1993646" cy="468049"/>
+          </a:xfrm>
+          <a:prstGeom prst="line">
+            <a:avLst/>
+          </a:prstGeom>
+          <a:ln w="28575">
+            <a:solidFill>
+              <a:schemeClr val="tx1"/>
+            </a:solidFill>
+          </a:ln>
+        </p:spPr>
+        <p:style>
+          <a:lnRef idx="1">
+            <a:schemeClr val="accent1"/>
+          </a:lnRef>
+          <a:fillRef idx="0">
+            <a:schemeClr val="accent1"/>
+          </a:fillRef>
+          <a:effectRef idx="0">
+            <a:schemeClr val="accent1"/>
+          </a:effectRef>
+          <a:fontRef idx="minor">
+            <a:schemeClr val="tx1"/>
+          </a:fontRef>
+        </p:style>
+      </p:cxnSp>
+      <p:sp>
+        <p:nvSpPr>
+          <p:cNvPr id="13" name="사각형: 둥근 모서리 12">
+            <a:extLst>
+              <a:ext uri="{FF2B5EF4-FFF2-40B4-BE49-F238E27FC236}">
+                <a16:creationId xmlns:a16="http://schemas.microsoft.com/office/drawing/2014/main" id="{C16E699C-45F4-4890-A07E-9CB4BA3CCF40}"/>
+              </a:ext>
+            </a:extLst>
+          </p:cNvPr>
+          <p:cNvSpPr/>
+          <p:nvPr/>
+        </p:nvSpPr>
+        <p:spPr>
+          <a:xfrm>
+            <a:off x="3617894" y="2859782"/>
+            <a:ext cx="1908212" cy="360040"/>
+          </a:xfrm>
+          <a:prstGeom prst="roundRect">
+            <a:avLst/>
+          </a:prstGeom>
+          <a:ln>
+            <a:solidFill>
+              <a:schemeClr val="tx2"/>
+            </a:solidFill>
+          </a:ln>
+        </p:spPr>
+        <p:style>
+          <a:lnRef idx="2">
+            <a:schemeClr val="dk1"/>
+          </a:lnRef>
+          <a:fillRef idx="1">
+            <a:schemeClr val="lt1"/>
+          </a:fillRef>
+          <a:effectRef idx="0">
+            <a:schemeClr val="dk1"/>
+          </a:effectRef>
+          <a:fontRef idx="minor">
+            <a:schemeClr val="dk1"/>
+          </a:fontRef>
+        </p:style>
+        <p:txBody>
+          <a:bodyPr rtlCol="0" anchor="ctr"/>
+          <a:lstStyle/>
+          <a:p>
+            <a:pPr algn="ctr"/>
+            <a:r>
+              <a:rPr lang="en-US" altLang="ko-KR" sz="1600" dirty="0"/>
               <a:t>Redis - Master</a:t>
             </a:r>
-            <a:endParaRPr lang="ko-KR" altLang="en-US"/>
+            <a:endParaRPr lang="ko-KR" altLang="en-US" dirty="0"/>
+          </a:p>
+        </p:txBody>
+      </p:sp>
+      <p:cxnSp>
+        <p:nvCxnSpPr>
+          <p:cNvPr id="64" name="직선 연결선 63">
+            <a:extLst>
+              <a:ext uri="{FF2B5EF4-FFF2-40B4-BE49-F238E27FC236}">
+                <a16:creationId xmlns:a16="http://schemas.microsoft.com/office/drawing/2014/main" id="{12B0496E-7C6D-4C77-9FCE-CC88399D8A21}"/>
+              </a:ext>
+            </a:extLst>
+          </p:cNvPr>
+          <p:cNvCxnSpPr>
+            <a:cxnSpLocks/>
+            <a:stCxn id="23" idx="2"/>
+            <a:endCxn id="46" idx="0"/>
+          </p:cNvCxnSpPr>
+          <p:nvPr/>
+        </p:nvCxnSpPr>
+        <p:spPr>
+          <a:xfrm>
+            <a:off x="4572000" y="1275608"/>
+            <a:ext cx="1993646" cy="360039"/>
+          </a:xfrm>
+          <a:prstGeom prst="line">
+            <a:avLst/>
+          </a:prstGeom>
+          <a:ln w="28575">
+            <a:solidFill>
+              <a:schemeClr val="tx1"/>
+            </a:solidFill>
+          </a:ln>
+        </p:spPr>
+        <p:style>
+          <a:lnRef idx="1">
+            <a:schemeClr val="accent1"/>
+          </a:lnRef>
+          <a:fillRef idx="0">
+            <a:schemeClr val="accent1"/>
+          </a:fillRef>
+          <a:effectRef idx="0">
+            <a:schemeClr val="accent1"/>
+          </a:effectRef>
+          <a:fontRef idx="minor">
+            <a:schemeClr val="tx1"/>
+          </a:fontRef>
+        </p:style>
+      </p:cxnSp>
+      <p:cxnSp>
+        <p:nvCxnSpPr>
+          <p:cNvPr id="34" name="직선 연결선 33">
+            <a:extLst>
+              <a:ext uri="{FF2B5EF4-FFF2-40B4-BE49-F238E27FC236}">
+                <a16:creationId xmlns:a16="http://schemas.microsoft.com/office/drawing/2014/main" id="{E6F8CFA8-A78D-46FD-BF39-6BA193808FD1}"/>
+              </a:ext>
+            </a:extLst>
+          </p:cNvPr>
+          <p:cNvCxnSpPr>
+            <a:cxnSpLocks/>
+            <a:stCxn id="3" idx="3"/>
+            <a:endCxn id="46" idx="1"/>
+          </p:cNvCxnSpPr>
+          <p:nvPr/>
+        </p:nvCxnSpPr>
+        <p:spPr>
+          <a:xfrm>
+            <a:off x="3658459" y="2013690"/>
+            <a:ext cx="1827072" cy="0"/>
+          </a:xfrm>
+          <a:prstGeom prst="line">
+            <a:avLst/>
+          </a:prstGeom>
+          <a:ln w="28575">
+            <a:solidFill>
+              <a:schemeClr val="tx1"/>
+            </a:solidFill>
+            <a:prstDash val="dash"/>
+            <a:headEnd type="arrow" w="med" len="med"/>
+            <a:tailEnd type="arrow" w="med" len="med"/>
+          </a:ln>
+        </p:spPr>
+        <p:style>
+          <a:lnRef idx="1">
+            <a:schemeClr val="accent1"/>
+          </a:lnRef>
+          <a:fillRef idx="0">
+            <a:schemeClr val="accent1"/>
+          </a:fillRef>
+          <a:effectRef idx="0">
+            <a:schemeClr val="accent1"/>
+          </a:effectRef>
+          <a:fontRef idx="minor">
+            <a:schemeClr val="tx1"/>
+          </a:fontRef>
+        </p:style>
+      </p:cxnSp>
+      <p:sp>
+        <p:nvSpPr>
+          <p:cNvPr id="38" name="사각형: 둥근 모서리 37">
+            <a:extLst>
+              <a:ext uri="{FF2B5EF4-FFF2-40B4-BE49-F238E27FC236}">
+                <a16:creationId xmlns:a16="http://schemas.microsoft.com/office/drawing/2014/main" id="{46558562-A6F5-4489-9365-919BB52CA0B7}"/>
+              </a:ext>
+            </a:extLst>
+          </p:cNvPr>
+          <p:cNvSpPr/>
+          <p:nvPr/>
+        </p:nvSpPr>
+        <p:spPr>
+          <a:xfrm>
+            <a:off x="3575177" y="1995686"/>
+            <a:ext cx="1993646" cy="360040"/>
+          </a:xfrm>
+          <a:prstGeom prst="roundRect">
+            <a:avLst/>
+          </a:prstGeom>
+          <a:noFill/>
+          <a:ln>
+            <a:noFill/>
+          </a:ln>
+        </p:spPr>
+        <p:style>
+          <a:lnRef idx="2">
+            <a:schemeClr val="dk1"/>
+          </a:lnRef>
+          <a:fillRef idx="1">
+            <a:schemeClr val="lt1"/>
+          </a:fillRef>
+          <a:effectRef idx="0">
+            <a:schemeClr val="dk1"/>
+          </a:effectRef>
+          <a:fontRef idx="minor">
+            <a:schemeClr val="dk1"/>
+          </a:fontRef>
+        </p:style>
+        <p:txBody>
+          <a:bodyPr rtlCol="0" anchor="ctr"/>
+          <a:lstStyle/>
+          <a:p>
+            <a:pPr algn="ctr"/>
+            <a:r>
+              <a:rPr lang="en-US" altLang="ko-KR" sz="1600" dirty="0"/>
+              <a:t>VRRP / L4 Routing</a:t>
+            </a:r>
+            <a:endParaRPr lang="ko-KR" altLang="en-US" sz="1600" dirty="0"/>
           </a:p>
         </p:txBody>
       </p:sp>
@@ -4796,7 +5151,7 @@
         </p:nvGrpSpPr>
         <p:grpSpPr>
           <a:xfrm>
-            <a:off x="1205880" y="3693778"/>
+            <a:off x="1205880" y="4246588"/>
             <a:ext cx="6732240" cy="648072"/>
             <a:chOff x="2330751" y="2391730"/>
             <a:chExt cx="6732240" cy="360040"/>
@@ -5000,7 +5355,7 @@
         </p:nvCxnSpPr>
         <p:spPr>
           <a:xfrm flipH="1" flipV="1">
-            <a:off x="2159859" y="3124439"/>
+            <a:off x="2159859" y="3677249"/>
             <a:ext cx="127" cy="569339"/>
           </a:xfrm>
           <a:prstGeom prst="line">
@@ -5038,13 +5393,15 @@
           </p:cNvPr>
           <p:cNvCxnSpPr>
             <a:cxnSpLocks/>
+            <a:stCxn id="5" idx="0"/>
+            <a:endCxn id="28" idx="2"/>
           </p:cNvCxnSpPr>
           <p:nvPr/>
         </p:nvCxnSpPr>
         <p:spPr>
-          <a:xfrm flipV="1">
-            <a:off x="4499992" y="3024752"/>
-            <a:ext cx="0" cy="679415"/>
+          <a:xfrm flipH="1" flipV="1">
+            <a:off x="4572000" y="3677249"/>
+            <a:ext cx="254" cy="569339"/>
           </a:xfrm>
           <a:prstGeom prst="line">
             <a:avLst/>
@@ -5088,7 +5445,7 @@
         </p:nvCxnSpPr>
         <p:spPr>
           <a:xfrm flipH="1" flipV="1">
-            <a:off x="6983760" y="3124439"/>
+            <a:off x="6983760" y="3677249"/>
             <a:ext cx="254" cy="569339"/>
           </a:xfrm>
           <a:prstGeom prst="line">
@@ -5132,9 +5489,1314 @@
           <p:nvPr/>
         </p:nvCxnSpPr>
         <p:spPr>
+          <a:xfrm flipH="1">
+            <a:off x="4572254" y="2641397"/>
+            <a:ext cx="1865241" cy="1605191"/>
+          </a:xfrm>
+          <a:prstGeom prst="line">
+            <a:avLst/>
+          </a:prstGeom>
+          <a:ln w="28575">
+            <a:solidFill>
+              <a:schemeClr val="tx1"/>
+            </a:solidFill>
+          </a:ln>
+        </p:spPr>
+        <p:style>
+          <a:lnRef idx="1">
+            <a:schemeClr val="accent1"/>
+          </a:lnRef>
+          <a:fillRef idx="0">
+            <a:schemeClr val="accent1"/>
+          </a:fillRef>
+          <a:effectRef idx="0">
+            <a:schemeClr val="accent1"/>
+          </a:effectRef>
+          <a:fontRef idx="minor">
+            <a:schemeClr val="tx1"/>
+          </a:fontRef>
+        </p:style>
+      </p:cxnSp>
+      <p:cxnSp>
+        <p:nvCxnSpPr>
+          <p:cNvPr id="40" name="직선 연결선 39">
+            <a:extLst>
+              <a:ext uri="{FF2B5EF4-FFF2-40B4-BE49-F238E27FC236}">
+                <a16:creationId xmlns:a16="http://schemas.microsoft.com/office/drawing/2014/main" id="{00FEAE21-56EE-4C50-8765-79F2DAC0B656}"/>
+              </a:ext>
+            </a:extLst>
+          </p:cNvPr>
+          <p:cNvCxnSpPr>
+            <a:cxnSpLocks/>
+            <a:stCxn id="9" idx="2"/>
+            <a:endCxn id="7" idx="0"/>
+          </p:cNvCxnSpPr>
+          <p:nvPr/>
+        </p:nvCxnSpPr>
+        <p:spPr>
+          <a:xfrm flipH="1">
+            <a:off x="2159986" y="2641397"/>
+            <a:ext cx="4277509" cy="1605191"/>
+          </a:xfrm>
+          <a:prstGeom prst="line">
+            <a:avLst/>
+          </a:prstGeom>
+          <a:ln w="28575">
+            <a:solidFill>
+              <a:schemeClr val="tx1"/>
+            </a:solidFill>
+          </a:ln>
+        </p:spPr>
+        <p:style>
+          <a:lnRef idx="1">
+            <a:schemeClr val="accent1"/>
+          </a:lnRef>
+          <a:fillRef idx="0">
+            <a:schemeClr val="accent1"/>
+          </a:fillRef>
+          <a:effectRef idx="0">
+            <a:schemeClr val="accent1"/>
+          </a:effectRef>
+          <a:fontRef idx="minor">
+            <a:schemeClr val="tx1"/>
+          </a:fontRef>
+        </p:style>
+      </p:cxnSp>
+      <p:cxnSp>
+        <p:nvCxnSpPr>
+          <p:cNvPr id="44" name="직선 연결선 43">
+            <a:extLst>
+              <a:ext uri="{FF2B5EF4-FFF2-40B4-BE49-F238E27FC236}">
+                <a16:creationId xmlns:a16="http://schemas.microsoft.com/office/drawing/2014/main" id="{2E35BB13-30D8-48AC-99CB-4E61ED3BDFED}"/>
+              </a:ext>
+            </a:extLst>
+          </p:cNvPr>
+          <p:cNvCxnSpPr>
+            <a:cxnSpLocks/>
+            <a:stCxn id="9" idx="2"/>
+            <a:endCxn id="21" idx="0"/>
+          </p:cNvCxnSpPr>
+          <p:nvPr/>
+        </p:nvCxnSpPr>
+        <p:spPr>
+          <a:xfrm flipH="1">
+            <a:off x="2159859" y="2641397"/>
+            <a:ext cx="4277636" cy="476438"/>
+          </a:xfrm>
+          <a:prstGeom prst="line">
+            <a:avLst/>
+          </a:prstGeom>
+          <a:ln w="28575">
+            <a:solidFill>
+              <a:schemeClr val="tx1"/>
+            </a:solidFill>
+          </a:ln>
+        </p:spPr>
+        <p:style>
+          <a:lnRef idx="1">
+            <a:schemeClr val="accent1"/>
+          </a:lnRef>
+          <a:fillRef idx="0">
+            <a:schemeClr val="accent1"/>
+          </a:fillRef>
+          <a:effectRef idx="0">
+            <a:schemeClr val="accent1"/>
+          </a:effectRef>
+          <a:fontRef idx="minor">
+            <a:schemeClr val="tx1"/>
+          </a:fontRef>
+        </p:style>
+      </p:cxnSp>
+      <p:cxnSp>
+        <p:nvCxnSpPr>
+          <p:cNvPr id="47" name="직선 연결선 46">
+            <a:extLst>
+              <a:ext uri="{FF2B5EF4-FFF2-40B4-BE49-F238E27FC236}">
+                <a16:creationId xmlns:a16="http://schemas.microsoft.com/office/drawing/2014/main" id="{386C88B1-4130-4DA0-8955-4D2DAEFB9764}"/>
+              </a:ext>
+            </a:extLst>
+          </p:cNvPr>
+          <p:cNvCxnSpPr>
+            <a:cxnSpLocks/>
+            <a:stCxn id="9" idx="2"/>
+            <a:endCxn id="20" idx="0"/>
+          </p:cNvCxnSpPr>
+          <p:nvPr/>
+        </p:nvCxnSpPr>
+        <p:spPr>
           <a:xfrm>
-            <a:off x="4572000" y="1995686"/>
-            <a:ext cx="254" cy="1698092"/>
+            <a:off x="6437495" y="2641397"/>
+            <a:ext cx="546265" cy="476438"/>
+          </a:xfrm>
+          <a:prstGeom prst="line">
+            <a:avLst/>
+          </a:prstGeom>
+          <a:ln w="28575">
+            <a:solidFill>
+              <a:schemeClr val="tx1"/>
+            </a:solidFill>
+          </a:ln>
+        </p:spPr>
+        <p:style>
+          <a:lnRef idx="1">
+            <a:schemeClr val="accent1"/>
+          </a:lnRef>
+          <a:fillRef idx="0">
+            <a:schemeClr val="accent1"/>
+          </a:fillRef>
+          <a:effectRef idx="0">
+            <a:schemeClr val="accent1"/>
+          </a:effectRef>
+          <a:fontRef idx="minor">
+            <a:schemeClr val="tx1"/>
+          </a:fontRef>
+        </p:style>
+      </p:cxnSp>
+      <p:cxnSp>
+        <p:nvCxnSpPr>
+          <p:cNvPr id="50" name="직선 연결선 49">
+            <a:extLst>
+              <a:ext uri="{FF2B5EF4-FFF2-40B4-BE49-F238E27FC236}">
+                <a16:creationId xmlns:a16="http://schemas.microsoft.com/office/drawing/2014/main" id="{A31BCCF3-7E7E-44FF-8137-1F81B78C7A39}"/>
+              </a:ext>
+            </a:extLst>
+          </p:cNvPr>
+          <p:cNvCxnSpPr>
+            <a:cxnSpLocks/>
+            <a:stCxn id="9" idx="2"/>
+            <a:endCxn id="8" idx="0"/>
+          </p:cNvCxnSpPr>
+          <p:nvPr/>
+        </p:nvCxnSpPr>
+        <p:spPr>
+          <a:xfrm>
+            <a:off x="6437495" y="2641397"/>
+            <a:ext cx="546519" cy="1605191"/>
+          </a:xfrm>
+          <a:prstGeom prst="line">
+            <a:avLst/>
+          </a:prstGeom>
+          <a:ln w="28575">
+            <a:solidFill>
+              <a:schemeClr val="tx1"/>
+            </a:solidFill>
+          </a:ln>
+        </p:spPr>
+        <p:style>
+          <a:lnRef idx="1">
+            <a:schemeClr val="accent1"/>
+          </a:lnRef>
+          <a:fillRef idx="0">
+            <a:schemeClr val="accent1"/>
+          </a:fillRef>
+          <a:effectRef idx="0">
+            <a:schemeClr val="accent1"/>
+          </a:effectRef>
+          <a:fontRef idx="minor">
+            <a:schemeClr val="tx1"/>
+          </a:fontRef>
+        </p:style>
+      </p:cxnSp>
+      <p:cxnSp>
+        <p:nvCxnSpPr>
+          <p:cNvPr id="64" name="직선 연결선 63">
+            <a:extLst>
+              <a:ext uri="{FF2B5EF4-FFF2-40B4-BE49-F238E27FC236}">
+                <a16:creationId xmlns:a16="http://schemas.microsoft.com/office/drawing/2014/main" id="{B96B0FA1-76F3-46B2-85A1-8B360CD71C1D}"/>
+              </a:ext>
+            </a:extLst>
+          </p:cNvPr>
+          <p:cNvCxnSpPr>
+            <a:cxnSpLocks/>
+            <a:stCxn id="5" idx="0"/>
+            <a:endCxn id="21" idx="2"/>
+          </p:cNvCxnSpPr>
+          <p:nvPr/>
+        </p:nvCxnSpPr>
+        <p:spPr>
+          <a:xfrm flipH="1" flipV="1">
+            <a:off x="2159859" y="3677249"/>
+            <a:ext cx="2412395" cy="569339"/>
+          </a:xfrm>
+          <a:prstGeom prst="line">
+            <a:avLst/>
+          </a:prstGeom>
+          <a:ln w="28575">
+            <a:solidFill>
+              <a:schemeClr val="tx2"/>
+            </a:solidFill>
+          </a:ln>
+        </p:spPr>
+        <p:style>
+          <a:lnRef idx="1">
+            <a:schemeClr val="accent1"/>
+          </a:lnRef>
+          <a:fillRef idx="0">
+            <a:schemeClr val="accent1"/>
+          </a:fillRef>
+          <a:effectRef idx="0">
+            <a:schemeClr val="accent1"/>
+          </a:effectRef>
+          <a:fontRef idx="minor">
+            <a:schemeClr val="tx1"/>
+          </a:fontRef>
+        </p:style>
+      </p:cxnSp>
+      <p:cxnSp>
+        <p:nvCxnSpPr>
+          <p:cNvPr id="67" name="직선 연결선 66">
+            <a:extLst>
+              <a:ext uri="{FF2B5EF4-FFF2-40B4-BE49-F238E27FC236}">
+                <a16:creationId xmlns:a16="http://schemas.microsoft.com/office/drawing/2014/main" id="{0922BCD3-581E-4C2A-9EF3-BA72D5A4E5DA}"/>
+              </a:ext>
+            </a:extLst>
+          </p:cNvPr>
+          <p:cNvCxnSpPr>
+            <a:cxnSpLocks/>
+            <a:stCxn id="8" idx="0"/>
+            <a:endCxn id="21" idx="2"/>
+          </p:cNvCxnSpPr>
+          <p:nvPr/>
+        </p:nvCxnSpPr>
+        <p:spPr>
+          <a:xfrm flipH="1" flipV="1">
+            <a:off x="2159859" y="3677249"/>
+            <a:ext cx="4824155" cy="569339"/>
+          </a:xfrm>
+          <a:prstGeom prst="line">
+            <a:avLst/>
+          </a:prstGeom>
+          <a:ln w="28575">
+            <a:solidFill>
+              <a:schemeClr val="tx2"/>
+            </a:solidFill>
+          </a:ln>
+        </p:spPr>
+        <p:style>
+          <a:lnRef idx="1">
+            <a:schemeClr val="accent1"/>
+          </a:lnRef>
+          <a:fillRef idx="0">
+            <a:schemeClr val="accent1"/>
+          </a:fillRef>
+          <a:effectRef idx="0">
+            <a:schemeClr val="accent1"/>
+          </a:effectRef>
+          <a:fontRef idx="minor">
+            <a:schemeClr val="tx1"/>
+          </a:fontRef>
+        </p:style>
+      </p:cxnSp>
+      <p:cxnSp>
+        <p:nvCxnSpPr>
+          <p:cNvPr id="70" name="직선 연결선 69">
+            <a:extLst>
+              <a:ext uri="{FF2B5EF4-FFF2-40B4-BE49-F238E27FC236}">
+                <a16:creationId xmlns:a16="http://schemas.microsoft.com/office/drawing/2014/main" id="{45B57142-92FC-47AF-AFA8-0B5C4AD058A0}"/>
+              </a:ext>
+            </a:extLst>
+          </p:cNvPr>
+          <p:cNvCxnSpPr>
+            <a:cxnSpLocks/>
+            <a:endCxn id="28" idx="2"/>
+          </p:cNvCxnSpPr>
+          <p:nvPr/>
+        </p:nvCxnSpPr>
+        <p:spPr>
+          <a:xfrm flipV="1">
+            <a:off x="2165936" y="3677249"/>
+            <a:ext cx="2406064" cy="551732"/>
+          </a:xfrm>
+          <a:prstGeom prst="line">
+            <a:avLst/>
+          </a:prstGeom>
+          <a:ln w="28575">
+            <a:solidFill>
+              <a:schemeClr val="tx2"/>
+            </a:solidFill>
+          </a:ln>
+        </p:spPr>
+        <p:style>
+          <a:lnRef idx="1">
+            <a:schemeClr val="accent1"/>
+          </a:lnRef>
+          <a:fillRef idx="0">
+            <a:schemeClr val="accent1"/>
+          </a:fillRef>
+          <a:effectRef idx="0">
+            <a:schemeClr val="accent1"/>
+          </a:effectRef>
+          <a:fontRef idx="minor">
+            <a:schemeClr val="tx1"/>
+          </a:fontRef>
+        </p:style>
+      </p:cxnSp>
+      <p:cxnSp>
+        <p:nvCxnSpPr>
+          <p:cNvPr id="79" name="직선 연결선 78">
+            <a:extLst>
+              <a:ext uri="{FF2B5EF4-FFF2-40B4-BE49-F238E27FC236}">
+                <a16:creationId xmlns:a16="http://schemas.microsoft.com/office/drawing/2014/main" id="{19CC5448-ACF1-4095-80B5-63605B4CDCF5}"/>
+              </a:ext>
+            </a:extLst>
+          </p:cNvPr>
+          <p:cNvCxnSpPr>
+            <a:cxnSpLocks/>
+            <a:stCxn id="7" idx="0"/>
+            <a:endCxn id="20" idx="2"/>
+          </p:cNvCxnSpPr>
+          <p:nvPr/>
+        </p:nvCxnSpPr>
+        <p:spPr>
+          <a:xfrm flipV="1">
+            <a:off x="2159986" y="3677249"/>
+            <a:ext cx="4823774" cy="569339"/>
+          </a:xfrm>
+          <a:prstGeom prst="line">
+            <a:avLst/>
+          </a:prstGeom>
+          <a:ln w="28575">
+            <a:solidFill>
+              <a:schemeClr val="tx2"/>
+            </a:solidFill>
+          </a:ln>
+        </p:spPr>
+        <p:style>
+          <a:lnRef idx="1">
+            <a:schemeClr val="accent1"/>
+          </a:lnRef>
+          <a:fillRef idx="0">
+            <a:schemeClr val="accent1"/>
+          </a:fillRef>
+          <a:effectRef idx="0">
+            <a:schemeClr val="accent1"/>
+          </a:effectRef>
+          <a:fontRef idx="minor">
+            <a:schemeClr val="tx1"/>
+          </a:fontRef>
+        </p:style>
+      </p:cxnSp>
+      <p:cxnSp>
+        <p:nvCxnSpPr>
+          <p:cNvPr id="82" name="직선 연결선 81">
+            <a:extLst>
+              <a:ext uri="{FF2B5EF4-FFF2-40B4-BE49-F238E27FC236}">
+                <a16:creationId xmlns:a16="http://schemas.microsoft.com/office/drawing/2014/main" id="{F5137A6F-1DA0-4CA0-A730-67BEEDFAAE06}"/>
+              </a:ext>
+            </a:extLst>
+          </p:cNvPr>
+          <p:cNvCxnSpPr>
+            <a:cxnSpLocks/>
+            <a:endCxn id="28" idx="2"/>
+          </p:cNvCxnSpPr>
+          <p:nvPr/>
+        </p:nvCxnSpPr>
+        <p:spPr>
+          <a:xfrm flipH="1" flipV="1">
+            <a:off x="4572000" y="3677249"/>
+            <a:ext cx="2399936" cy="539996"/>
+          </a:xfrm>
+          <a:prstGeom prst="line">
+            <a:avLst/>
+          </a:prstGeom>
+          <a:ln w="28575">
+            <a:solidFill>
+              <a:schemeClr val="tx2"/>
+            </a:solidFill>
+          </a:ln>
+        </p:spPr>
+        <p:style>
+          <a:lnRef idx="1">
+            <a:schemeClr val="accent1"/>
+          </a:lnRef>
+          <a:fillRef idx="0">
+            <a:schemeClr val="accent1"/>
+          </a:fillRef>
+          <a:effectRef idx="0">
+            <a:schemeClr val="accent1"/>
+          </a:effectRef>
+          <a:fontRef idx="minor">
+            <a:schemeClr val="tx1"/>
+          </a:fontRef>
+        </p:style>
+      </p:cxnSp>
+      <p:cxnSp>
+        <p:nvCxnSpPr>
+          <p:cNvPr id="85" name="직선 연결선 84">
+            <a:extLst>
+              <a:ext uri="{FF2B5EF4-FFF2-40B4-BE49-F238E27FC236}">
+                <a16:creationId xmlns:a16="http://schemas.microsoft.com/office/drawing/2014/main" id="{8FAA5983-A0CC-4BF0-9E0A-DFAA1707D25C}"/>
+              </a:ext>
+            </a:extLst>
+          </p:cNvPr>
+          <p:cNvCxnSpPr>
+            <a:cxnSpLocks/>
+            <a:stCxn id="5" idx="0"/>
+            <a:endCxn id="20" idx="2"/>
+          </p:cNvCxnSpPr>
+          <p:nvPr/>
+        </p:nvCxnSpPr>
+        <p:spPr>
+          <a:xfrm flipV="1">
+            <a:off x="4572254" y="3677249"/>
+            <a:ext cx="2411506" cy="569339"/>
+          </a:xfrm>
+          <a:prstGeom prst="line">
+            <a:avLst/>
+          </a:prstGeom>
+          <a:ln w="28575">
+            <a:solidFill>
+              <a:schemeClr val="tx2"/>
+            </a:solidFill>
+          </a:ln>
+        </p:spPr>
+        <p:style>
+          <a:lnRef idx="1">
+            <a:schemeClr val="accent1"/>
+          </a:lnRef>
+          <a:fillRef idx="0">
+            <a:schemeClr val="accent1"/>
+          </a:fillRef>
+          <a:effectRef idx="0">
+            <a:schemeClr val="accent1"/>
+          </a:effectRef>
+          <a:fontRef idx="minor">
+            <a:schemeClr val="tx1"/>
+          </a:fontRef>
+        </p:style>
+      </p:cxnSp>
+      <p:grpSp>
+        <p:nvGrpSpPr>
+          <p:cNvPr id="116" name="그룹 115">
+            <a:extLst>
+              <a:ext uri="{FF2B5EF4-FFF2-40B4-BE49-F238E27FC236}">
+                <a16:creationId xmlns:a16="http://schemas.microsoft.com/office/drawing/2014/main" id="{BB11ACE4-6E37-40E5-970F-6BFECC62DBBB}"/>
+              </a:ext>
+            </a:extLst>
+          </p:cNvPr>
+          <p:cNvGrpSpPr/>
+          <p:nvPr/>
+        </p:nvGrpSpPr>
+        <p:grpSpPr>
+          <a:xfrm>
+            <a:off x="5483389" y="1633048"/>
+            <a:ext cx="1908212" cy="1008349"/>
+            <a:chOff x="3617894" y="1108099"/>
+            <a:chExt cx="1908212" cy="1008349"/>
+          </a:xfrm>
+        </p:grpSpPr>
+        <p:sp>
+          <p:nvSpPr>
+            <p:cNvPr id="9" name="사각형: 둥근 모서리 8">
+              <a:extLst>
+                <a:ext uri="{FF2B5EF4-FFF2-40B4-BE49-F238E27FC236}">
+                  <a16:creationId xmlns:a16="http://schemas.microsoft.com/office/drawing/2014/main" id="{D02BE6FB-C498-40F0-B20F-95561AFAB976}"/>
+                </a:ext>
+              </a:extLst>
+            </p:cNvPr>
+            <p:cNvSpPr/>
+            <p:nvPr/>
+          </p:nvSpPr>
+          <p:spPr>
+            <a:xfrm>
+              <a:off x="3617894" y="1108099"/>
+              <a:ext cx="1908212" cy="1008349"/>
+            </a:xfrm>
+            <a:prstGeom prst="roundRect">
+              <a:avLst>
+                <a:gd name="adj" fmla="val 12095"/>
+              </a:avLst>
+            </a:prstGeom>
+          </p:spPr>
+          <p:style>
+            <a:lnRef idx="2">
+              <a:schemeClr val="dk1"/>
+            </a:lnRef>
+            <a:fillRef idx="1">
+              <a:schemeClr val="lt1"/>
+            </a:fillRef>
+            <a:effectRef idx="0">
+              <a:schemeClr val="dk1"/>
+            </a:effectRef>
+            <a:fontRef idx="minor">
+              <a:schemeClr val="dk1"/>
+            </a:fontRef>
+          </p:style>
+          <p:txBody>
+            <a:bodyPr rtlCol="0" anchor="t"/>
+            <a:lstStyle/>
+            <a:p>
+              <a:pPr algn="ctr"/>
+              <a:r>
+                <a:rPr lang="en-US" altLang="ko-KR" sz="1600" dirty="0"/>
+                <a:t>Cluster Client / Cluster Proxy</a:t>
+              </a:r>
+              <a:endParaRPr lang="ko-KR" altLang="en-US" dirty="0"/>
+            </a:p>
+          </p:txBody>
+        </p:sp>
+        <p:sp>
+          <p:nvSpPr>
+            <p:cNvPr id="99" name="사각형: 둥근 모서리 98">
+              <a:extLst>
+                <a:ext uri="{FF2B5EF4-FFF2-40B4-BE49-F238E27FC236}">
+                  <a16:creationId xmlns:a16="http://schemas.microsoft.com/office/drawing/2014/main" id="{1DE21721-CCF0-4C7C-9FFA-84DB359054EC}"/>
+                </a:ext>
+              </a:extLst>
+            </p:cNvPr>
+            <p:cNvSpPr/>
+            <p:nvPr/>
+          </p:nvSpPr>
+          <p:spPr>
+            <a:xfrm>
+              <a:off x="3707904" y="1730514"/>
+              <a:ext cx="1728192" cy="293071"/>
+            </a:xfrm>
+            <a:prstGeom prst="roundRect">
+              <a:avLst>
+                <a:gd name="adj" fmla="val 27067"/>
+              </a:avLst>
+            </a:prstGeom>
+          </p:spPr>
+          <p:style>
+            <a:lnRef idx="2">
+              <a:schemeClr val="dk1"/>
+            </a:lnRef>
+            <a:fillRef idx="1">
+              <a:schemeClr val="lt1"/>
+            </a:fillRef>
+            <a:effectRef idx="0">
+              <a:schemeClr val="dk1"/>
+            </a:effectRef>
+            <a:fontRef idx="minor">
+              <a:schemeClr val="dk1"/>
+            </a:fontRef>
+          </p:style>
+          <p:txBody>
+            <a:bodyPr rtlCol="0" anchor="ctr"/>
+            <a:lstStyle/>
+            <a:p>
+              <a:pPr algn="ctr"/>
+              <a:r>
+                <a:rPr lang="en-US" altLang="ko-KR" sz="1600"/>
+                <a:t>Cluster Lib</a:t>
+              </a:r>
+              <a:endParaRPr lang="ko-KR" altLang="en-US"/>
+            </a:p>
+          </p:txBody>
+        </p:sp>
+      </p:grpSp>
+      <p:sp>
+        <p:nvSpPr>
+          <p:cNvPr id="29" name="사각형: 둥근 모서리 28">
+            <a:extLst>
+              <a:ext uri="{FF2B5EF4-FFF2-40B4-BE49-F238E27FC236}">
+                <a16:creationId xmlns:a16="http://schemas.microsoft.com/office/drawing/2014/main" id="{B91013CC-BE82-49FF-859B-68C5C97FA545}"/>
+              </a:ext>
+            </a:extLst>
+          </p:cNvPr>
+          <p:cNvSpPr/>
+          <p:nvPr/>
+        </p:nvSpPr>
+        <p:spPr>
+          <a:xfrm>
+            <a:off x="930656" y="3770112"/>
+            <a:ext cx="1728192" cy="293071"/>
+          </a:xfrm>
+          <a:prstGeom prst="roundRect">
+            <a:avLst>
+              <a:gd name="adj" fmla="val 27067"/>
+            </a:avLst>
+          </a:prstGeom>
+          <a:noFill/>
+          <a:ln>
+            <a:noFill/>
+          </a:ln>
+        </p:spPr>
+        <p:style>
+          <a:lnRef idx="2">
+            <a:schemeClr val="dk1"/>
+          </a:lnRef>
+          <a:fillRef idx="1">
+            <a:schemeClr val="lt1"/>
+          </a:fillRef>
+          <a:effectRef idx="0">
+            <a:schemeClr val="dk1"/>
+          </a:effectRef>
+          <a:fontRef idx="minor">
+            <a:schemeClr val="dk1"/>
+          </a:fontRef>
+        </p:style>
+        <p:txBody>
+          <a:bodyPr rtlCol="0" anchor="ctr"/>
+          <a:lstStyle/>
+          <a:p>
+            <a:pPr algn="ctr"/>
+            <a:r>
+              <a:rPr lang="en-US" altLang="ko-KR" sz="1600">
+                <a:solidFill>
+                  <a:schemeClr val="tx2"/>
+                </a:solidFill>
+              </a:rPr>
+              <a:t>gossip</a:t>
+            </a:r>
+            <a:endParaRPr lang="ko-KR" altLang="en-US" sz="1600">
+              <a:solidFill>
+                <a:schemeClr val="tx2"/>
+              </a:solidFill>
+            </a:endParaRPr>
+          </a:p>
+        </p:txBody>
+      </p:sp>
+      <p:sp>
+        <p:nvSpPr>
+          <p:cNvPr id="41" name="사각형: 둥근 모서리 40">
+            <a:extLst>
+              <a:ext uri="{FF2B5EF4-FFF2-40B4-BE49-F238E27FC236}">
+                <a16:creationId xmlns:a16="http://schemas.microsoft.com/office/drawing/2014/main" id="{3F07371F-AECE-4B3A-A337-8F2098A0E80C}"/>
+              </a:ext>
+            </a:extLst>
+          </p:cNvPr>
+          <p:cNvSpPr/>
+          <p:nvPr/>
+        </p:nvSpPr>
+        <p:spPr>
+          <a:xfrm>
+            <a:off x="3617894" y="1054860"/>
+            <a:ext cx="1908212" cy="360040"/>
+          </a:xfrm>
+          <a:prstGeom prst="roundRect">
+            <a:avLst/>
+          </a:prstGeom>
+        </p:spPr>
+        <p:style>
+          <a:lnRef idx="2">
+            <a:schemeClr val="dk1"/>
+          </a:lnRef>
+          <a:fillRef idx="1">
+            <a:schemeClr val="lt1"/>
+          </a:fillRef>
+          <a:effectRef idx="0">
+            <a:schemeClr val="dk1"/>
+          </a:effectRef>
+          <a:fontRef idx="minor">
+            <a:schemeClr val="dk1"/>
+          </a:fontRef>
+        </p:style>
+        <p:txBody>
+          <a:bodyPr rtlCol="0" anchor="ctr"/>
+          <a:lstStyle/>
+          <a:p>
+            <a:pPr algn="ctr"/>
+            <a:r>
+              <a:rPr lang="en-US" altLang="ko-KR" sz="1600" dirty="0"/>
+              <a:t>Proxy Client</a:t>
+            </a:r>
+            <a:endParaRPr lang="ko-KR" altLang="en-US" dirty="0"/>
+          </a:p>
+        </p:txBody>
+      </p:sp>
+      <p:cxnSp>
+        <p:nvCxnSpPr>
+          <p:cNvPr id="43" name="직선 연결선 42">
+            <a:extLst>
+              <a:ext uri="{FF2B5EF4-FFF2-40B4-BE49-F238E27FC236}">
+                <a16:creationId xmlns:a16="http://schemas.microsoft.com/office/drawing/2014/main" id="{A7F662D8-FEE8-4E22-BFE4-E5B84F6BAB18}"/>
+              </a:ext>
+            </a:extLst>
+          </p:cNvPr>
+          <p:cNvCxnSpPr>
+            <a:cxnSpLocks/>
+            <a:stCxn id="41" idx="2"/>
+            <a:endCxn id="9" idx="0"/>
+          </p:cNvCxnSpPr>
+          <p:nvPr/>
+        </p:nvCxnSpPr>
+        <p:spPr>
+          <a:xfrm>
+            <a:off x="4572000" y="1414900"/>
+            <a:ext cx="1865495" cy="218148"/>
+          </a:xfrm>
+          <a:prstGeom prst="line">
+            <a:avLst/>
+          </a:prstGeom>
+          <a:ln w="28575">
+            <a:solidFill>
+              <a:schemeClr val="tx1"/>
+            </a:solidFill>
+          </a:ln>
+        </p:spPr>
+        <p:style>
+          <a:lnRef idx="1">
+            <a:schemeClr val="accent1"/>
+          </a:lnRef>
+          <a:fillRef idx="0">
+            <a:schemeClr val="accent1"/>
+          </a:fillRef>
+          <a:effectRef idx="0">
+            <a:schemeClr val="accent1"/>
+          </a:effectRef>
+          <a:fontRef idx="minor">
+            <a:schemeClr val="tx1"/>
+          </a:fontRef>
+        </p:style>
+      </p:cxnSp>
+      <p:grpSp>
+        <p:nvGrpSpPr>
+          <p:cNvPr id="45" name="그룹 44">
+            <a:extLst>
+              <a:ext uri="{FF2B5EF4-FFF2-40B4-BE49-F238E27FC236}">
+                <a16:creationId xmlns:a16="http://schemas.microsoft.com/office/drawing/2014/main" id="{D4C0B976-5E4A-4CBB-BB7B-FEE8F9310C73}"/>
+              </a:ext>
+            </a:extLst>
+          </p:cNvPr>
+          <p:cNvGrpSpPr/>
+          <p:nvPr/>
+        </p:nvGrpSpPr>
+        <p:grpSpPr>
+          <a:xfrm>
+            <a:off x="1745643" y="1633048"/>
+            <a:ext cx="1908212" cy="1008349"/>
+            <a:chOff x="3617894" y="1108099"/>
+            <a:chExt cx="1908212" cy="1008349"/>
+          </a:xfrm>
+        </p:grpSpPr>
+        <p:sp>
+          <p:nvSpPr>
+            <p:cNvPr id="46" name="사각형: 둥근 모서리 45">
+              <a:extLst>
+                <a:ext uri="{FF2B5EF4-FFF2-40B4-BE49-F238E27FC236}">
+                  <a16:creationId xmlns:a16="http://schemas.microsoft.com/office/drawing/2014/main" id="{9BF95711-6EC9-45AF-9DC2-C10BC9E5BDD0}"/>
+                </a:ext>
+              </a:extLst>
+            </p:cNvPr>
+            <p:cNvSpPr/>
+            <p:nvPr/>
+          </p:nvSpPr>
+          <p:spPr>
+            <a:xfrm>
+              <a:off x="3617894" y="1108099"/>
+              <a:ext cx="1908212" cy="1008349"/>
+            </a:xfrm>
+            <a:prstGeom prst="roundRect">
+              <a:avLst>
+                <a:gd name="adj" fmla="val 12095"/>
+              </a:avLst>
+            </a:prstGeom>
+          </p:spPr>
+          <p:style>
+            <a:lnRef idx="2">
+              <a:schemeClr val="dk1"/>
+            </a:lnRef>
+            <a:fillRef idx="1">
+              <a:schemeClr val="lt1"/>
+            </a:fillRef>
+            <a:effectRef idx="0">
+              <a:schemeClr val="dk1"/>
+            </a:effectRef>
+            <a:fontRef idx="minor">
+              <a:schemeClr val="dk1"/>
+            </a:fontRef>
+          </p:style>
+          <p:txBody>
+            <a:bodyPr rtlCol="0" anchor="t"/>
+            <a:lstStyle/>
+            <a:p>
+              <a:pPr algn="ctr"/>
+              <a:r>
+                <a:rPr lang="en-US" altLang="ko-KR" sz="1600" dirty="0"/>
+                <a:t>Cluster Client / Cluster Proxy</a:t>
+              </a:r>
+              <a:endParaRPr lang="ko-KR" altLang="en-US" dirty="0"/>
+            </a:p>
+          </p:txBody>
+        </p:sp>
+        <p:sp>
+          <p:nvSpPr>
+            <p:cNvPr id="48" name="사각형: 둥근 모서리 47">
+              <a:extLst>
+                <a:ext uri="{FF2B5EF4-FFF2-40B4-BE49-F238E27FC236}">
+                  <a16:creationId xmlns:a16="http://schemas.microsoft.com/office/drawing/2014/main" id="{327B2F83-4E92-4942-9014-BAD5B555A566}"/>
+                </a:ext>
+              </a:extLst>
+            </p:cNvPr>
+            <p:cNvSpPr/>
+            <p:nvPr/>
+          </p:nvSpPr>
+          <p:spPr>
+            <a:xfrm>
+              <a:off x="3707904" y="1730514"/>
+              <a:ext cx="1728192" cy="293071"/>
+            </a:xfrm>
+            <a:prstGeom prst="roundRect">
+              <a:avLst>
+                <a:gd name="adj" fmla="val 27067"/>
+              </a:avLst>
+            </a:prstGeom>
+          </p:spPr>
+          <p:style>
+            <a:lnRef idx="2">
+              <a:schemeClr val="dk1"/>
+            </a:lnRef>
+            <a:fillRef idx="1">
+              <a:schemeClr val="lt1"/>
+            </a:fillRef>
+            <a:effectRef idx="0">
+              <a:schemeClr val="dk1"/>
+            </a:effectRef>
+            <a:fontRef idx="minor">
+              <a:schemeClr val="dk1"/>
+            </a:fontRef>
+          </p:style>
+          <p:txBody>
+            <a:bodyPr rtlCol="0" anchor="ctr"/>
+            <a:lstStyle/>
+            <a:p>
+              <a:pPr algn="ctr"/>
+              <a:r>
+                <a:rPr lang="en-US" altLang="ko-KR" sz="1600"/>
+                <a:t>Cluster Lib</a:t>
+              </a:r>
+              <a:endParaRPr lang="ko-KR" altLang="en-US"/>
+            </a:p>
+          </p:txBody>
+        </p:sp>
+      </p:grpSp>
+      <p:cxnSp>
+        <p:nvCxnSpPr>
+          <p:cNvPr id="49" name="직선 연결선 48">
+            <a:extLst>
+              <a:ext uri="{FF2B5EF4-FFF2-40B4-BE49-F238E27FC236}">
+                <a16:creationId xmlns:a16="http://schemas.microsoft.com/office/drawing/2014/main" id="{E498FE2C-0077-422E-A76C-0120125402CE}"/>
+              </a:ext>
+            </a:extLst>
+          </p:cNvPr>
+          <p:cNvCxnSpPr>
+            <a:cxnSpLocks/>
+            <a:stCxn id="46" idx="3"/>
+            <a:endCxn id="9" idx="1"/>
+          </p:cNvCxnSpPr>
+          <p:nvPr/>
+        </p:nvCxnSpPr>
+        <p:spPr>
+          <a:xfrm>
+            <a:off x="3653855" y="2137223"/>
+            <a:ext cx="1829534" cy="0"/>
+          </a:xfrm>
+          <a:prstGeom prst="line">
+            <a:avLst/>
+          </a:prstGeom>
+          <a:ln w="28575">
+            <a:solidFill>
+              <a:schemeClr val="tx1"/>
+            </a:solidFill>
+            <a:prstDash val="dash"/>
+            <a:headEnd type="arrow" w="med" len="med"/>
+            <a:tailEnd type="arrow" w="med" len="med"/>
+          </a:ln>
+        </p:spPr>
+        <p:style>
+          <a:lnRef idx="1">
+            <a:schemeClr val="accent1"/>
+          </a:lnRef>
+          <a:fillRef idx="0">
+            <a:schemeClr val="accent1"/>
+          </a:fillRef>
+          <a:effectRef idx="0">
+            <a:schemeClr val="accent1"/>
+          </a:effectRef>
+          <a:fontRef idx="minor">
+            <a:schemeClr val="tx1"/>
+          </a:fontRef>
+        </p:style>
+      </p:cxnSp>
+      <p:sp>
+        <p:nvSpPr>
+          <p:cNvPr id="51" name="사각형: 둥근 모서리 50">
+            <a:extLst>
+              <a:ext uri="{FF2B5EF4-FFF2-40B4-BE49-F238E27FC236}">
+                <a16:creationId xmlns:a16="http://schemas.microsoft.com/office/drawing/2014/main" id="{A89741FD-50B0-42E8-8F59-B300AB00922C}"/>
+              </a:ext>
+            </a:extLst>
+          </p:cNvPr>
+          <p:cNvSpPr/>
+          <p:nvPr/>
+        </p:nvSpPr>
+        <p:spPr>
+          <a:xfrm>
+            <a:off x="3575177" y="2139702"/>
+            <a:ext cx="1993646" cy="360040"/>
+          </a:xfrm>
+          <a:prstGeom prst="roundRect">
+            <a:avLst/>
+          </a:prstGeom>
+          <a:noFill/>
+          <a:ln>
+            <a:noFill/>
+          </a:ln>
+        </p:spPr>
+        <p:style>
+          <a:lnRef idx="2">
+            <a:schemeClr val="dk1"/>
+          </a:lnRef>
+          <a:fillRef idx="1">
+            <a:schemeClr val="lt1"/>
+          </a:fillRef>
+          <a:effectRef idx="0">
+            <a:schemeClr val="dk1"/>
+          </a:effectRef>
+          <a:fontRef idx="minor">
+            <a:schemeClr val="dk1"/>
+          </a:fontRef>
+        </p:style>
+        <p:txBody>
+          <a:bodyPr rtlCol="0" anchor="ctr"/>
+          <a:lstStyle/>
+          <a:p>
+            <a:pPr algn="ctr"/>
+            <a:r>
+              <a:rPr lang="en-US" altLang="ko-KR" sz="1600" dirty="0"/>
+              <a:t>VRRP / L4 Routing</a:t>
+            </a:r>
+            <a:endParaRPr lang="ko-KR" altLang="en-US" sz="1600" dirty="0"/>
+          </a:p>
+        </p:txBody>
+      </p:sp>
+      <p:cxnSp>
+        <p:nvCxnSpPr>
+          <p:cNvPr id="52" name="직선 연결선 51">
+            <a:extLst>
+              <a:ext uri="{FF2B5EF4-FFF2-40B4-BE49-F238E27FC236}">
+                <a16:creationId xmlns:a16="http://schemas.microsoft.com/office/drawing/2014/main" id="{E55F9078-7BD2-4431-943B-D5D7DC397484}"/>
+              </a:ext>
+            </a:extLst>
+          </p:cNvPr>
+          <p:cNvCxnSpPr>
+            <a:cxnSpLocks/>
+            <a:stCxn id="41" idx="2"/>
+            <a:endCxn id="46" idx="0"/>
+          </p:cNvCxnSpPr>
+          <p:nvPr/>
+        </p:nvCxnSpPr>
+        <p:spPr>
+          <a:xfrm flipH="1">
+            <a:off x="2699749" y="1414900"/>
+            <a:ext cx="1872251" cy="218148"/>
+          </a:xfrm>
+          <a:prstGeom prst="line">
+            <a:avLst/>
+          </a:prstGeom>
+          <a:ln w="28575">
+            <a:solidFill>
+              <a:schemeClr val="tx1"/>
+            </a:solidFill>
+          </a:ln>
+        </p:spPr>
+        <p:style>
+          <a:lnRef idx="1">
+            <a:schemeClr val="accent1"/>
+          </a:lnRef>
+          <a:fillRef idx="0">
+            <a:schemeClr val="accent1"/>
+          </a:fillRef>
+          <a:effectRef idx="0">
+            <a:schemeClr val="accent1"/>
+          </a:effectRef>
+          <a:fontRef idx="minor">
+            <a:schemeClr val="tx1"/>
+          </a:fontRef>
+        </p:style>
+      </p:cxnSp>
+      <p:cxnSp>
+        <p:nvCxnSpPr>
+          <p:cNvPr id="53" name="직선 연결선 52">
+            <a:extLst>
+              <a:ext uri="{FF2B5EF4-FFF2-40B4-BE49-F238E27FC236}">
+                <a16:creationId xmlns:a16="http://schemas.microsoft.com/office/drawing/2014/main" id="{01BE7AAD-11F9-464D-9822-DE3312D34DAC}"/>
+              </a:ext>
+            </a:extLst>
+          </p:cNvPr>
+          <p:cNvCxnSpPr>
+            <a:cxnSpLocks/>
+            <a:stCxn id="46" idx="2"/>
+            <a:endCxn id="21" idx="0"/>
+          </p:cNvCxnSpPr>
+          <p:nvPr/>
+        </p:nvCxnSpPr>
+        <p:spPr>
+          <a:xfrm flipH="1">
+            <a:off x="2159859" y="2641397"/>
+            <a:ext cx="539890" cy="476438"/>
+          </a:xfrm>
+          <a:prstGeom prst="line">
+            <a:avLst/>
+          </a:prstGeom>
+          <a:ln w="28575">
+            <a:solidFill>
+              <a:schemeClr val="tx1"/>
+            </a:solidFill>
+          </a:ln>
+        </p:spPr>
+        <p:style>
+          <a:lnRef idx="1">
+            <a:schemeClr val="accent1"/>
+          </a:lnRef>
+          <a:fillRef idx="0">
+            <a:schemeClr val="accent1"/>
+          </a:fillRef>
+          <a:effectRef idx="0">
+            <a:schemeClr val="accent1"/>
+          </a:effectRef>
+          <a:fontRef idx="minor">
+            <a:schemeClr val="tx1"/>
+          </a:fontRef>
+        </p:style>
+      </p:cxnSp>
+      <p:cxnSp>
+        <p:nvCxnSpPr>
+          <p:cNvPr id="56" name="직선 연결선 55">
+            <a:extLst>
+              <a:ext uri="{FF2B5EF4-FFF2-40B4-BE49-F238E27FC236}">
+                <a16:creationId xmlns:a16="http://schemas.microsoft.com/office/drawing/2014/main" id="{ECE207B5-0A39-42B3-9900-FA671FE6B7FC}"/>
+              </a:ext>
+            </a:extLst>
+          </p:cNvPr>
+          <p:cNvCxnSpPr>
+            <a:cxnSpLocks/>
+            <a:stCxn id="46" idx="2"/>
+            <a:endCxn id="28" idx="0"/>
+          </p:cNvCxnSpPr>
+          <p:nvPr/>
+        </p:nvCxnSpPr>
+        <p:spPr>
+          <a:xfrm>
+            <a:off x="2699749" y="2641397"/>
+            <a:ext cx="1872251" cy="476438"/>
+          </a:xfrm>
+          <a:prstGeom prst="line">
+            <a:avLst/>
+          </a:prstGeom>
+          <a:ln w="28575">
+            <a:solidFill>
+              <a:schemeClr val="tx1"/>
+            </a:solidFill>
+          </a:ln>
+        </p:spPr>
+        <p:style>
+          <a:lnRef idx="1">
+            <a:schemeClr val="accent1"/>
+          </a:lnRef>
+          <a:fillRef idx="0">
+            <a:schemeClr val="accent1"/>
+          </a:fillRef>
+          <a:effectRef idx="0">
+            <a:schemeClr val="accent1"/>
+          </a:effectRef>
+          <a:fontRef idx="minor">
+            <a:schemeClr val="tx1"/>
+          </a:fontRef>
+        </p:style>
+      </p:cxnSp>
+      <p:cxnSp>
+        <p:nvCxnSpPr>
+          <p:cNvPr id="59" name="직선 연결선 58">
+            <a:extLst>
+              <a:ext uri="{FF2B5EF4-FFF2-40B4-BE49-F238E27FC236}">
+                <a16:creationId xmlns:a16="http://schemas.microsoft.com/office/drawing/2014/main" id="{7B55A457-B0B9-4575-89CB-7121572182B2}"/>
+              </a:ext>
+            </a:extLst>
+          </p:cNvPr>
+          <p:cNvCxnSpPr>
+            <a:cxnSpLocks/>
+            <a:stCxn id="46" idx="2"/>
+            <a:endCxn id="20" idx="0"/>
+          </p:cNvCxnSpPr>
+          <p:nvPr/>
+        </p:nvCxnSpPr>
+        <p:spPr>
+          <a:xfrm>
+            <a:off x="2699749" y="2641397"/>
+            <a:ext cx="4284011" cy="476438"/>
+          </a:xfrm>
+          <a:prstGeom prst="line">
+            <a:avLst/>
+          </a:prstGeom>
+          <a:ln w="28575">
+            <a:solidFill>
+              <a:schemeClr val="tx1"/>
+            </a:solidFill>
+          </a:ln>
+        </p:spPr>
+        <p:style>
+          <a:lnRef idx="1">
+            <a:schemeClr val="accent1"/>
+          </a:lnRef>
+          <a:fillRef idx="0">
+            <a:schemeClr val="accent1"/>
+          </a:fillRef>
+          <a:effectRef idx="0">
+            <a:schemeClr val="accent1"/>
+          </a:effectRef>
+          <a:fontRef idx="minor">
+            <a:schemeClr val="tx1"/>
+          </a:fontRef>
+        </p:style>
+      </p:cxnSp>
+      <p:cxnSp>
+        <p:nvCxnSpPr>
+          <p:cNvPr id="62" name="직선 연결선 61">
+            <a:extLst>
+              <a:ext uri="{FF2B5EF4-FFF2-40B4-BE49-F238E27FC236}">
+                <a16:creationId xmlns:a16="http://schemas.microsoft.com/office/drawing/2014/main" id="{E2E23D1A-D9A4-48C6-8E28-F6E98B23409F}"/>
+              </a:ext>
+            </a:extLst>
+          </p:cNvPr>
+          <p:cNvCxnSpPr>
+            <a:cxnSpLocks/>
+            <a:stCxn id="46" idx="2"/>
+            <a:endCxn id="7" idx="0"/>
+          </p:cNvCxnSpPr>
+          <p:nvPr/>
+        </p:nvCxnSpPr>
+        <p:spPr>
+          <a:xfrm flipH="1">
+            <a:off x="2159986" y="2641397"/>
+            <a:ext cx="539763" cy="1605191"/>
+          </a:xfrm>
+          <a:prstGeom prst="line">
+            <a:avLst/>
+          </a:prstGeom>
+          <a:ln w="28575">
+            <a:solidFill>
+              <a:schemeClr val="tx1"/>
+            </a:solidFill>
+          </a:ln>
+        </p:spPr>
+        <p:style>
+          <a:lnRef idx="1">
+            <a:schemeClr val="accent1"/>
+          </a:lnRef>
+          <a:fillRef idx="0">
+            <a:schemeClr val="accent1"/>
+          </a:fillRef>
+          <a:effectRef idx="0">
+            <a:schemeClr val="accent1"/>
+          </a:effectRef>
+          <a:fontRef idx="minor">
+            <a:schemeClr val="tx1"/>
+          </a:fontRef>
+        </p:style>
+      </p:cxnSp>
+      <p:cxnSp>
+        <p:nvCxnSpPr>
+          <p:cNvPr id="65" name="직선 연결선 64">
+            <a:extLst>
+              <a:ext uri="{FF2B5EF4-FFF2-40B4-BE49-F238E27FC236}">
+                <a16:creationId xmlns:a16="http://schemas.microsoft.com/office/drawing/2014/main" id="{E7EF0F09-0D67-45B5-A3C1-F372BB7534F6}"/>
+              </a:ext>
+            </a:extLst>
+          </p:cNvPr>
+          <p:cNvCxnSpPr>
+            <a:cxnSpLocks/>
+            <a:stCxn id="46" idx="2"/>
+            <a:endCxn id="5" idx="0"/>
+          </p:cNvCxnSpPr>
+          <p:nvPr/>
+        </p:nvCxnSpPr>
+        <p:spPr>
+          <a:xfrm>
+            <a:off x="2699749" y="2641397"/>
+            <a:ext cx="1872505" cy="1605191"/>
+          </a:xfrm>
+          <a:prstGeom prst="line">
+            <a:avLst/>
+          </a:prstGeom>
+          <a:ln w="28575">
+            <a:solidFill>
+              <a:schemeClr val="tx1"/>
+            </a:solidFill>
+          </a:ln>
+        </p:spPr>
+        <p:style>
+          <a:lnRef idx="1">
+            <a:schemeClr val="accent1"/>
+          </a:lnRef>
+          <a:fillRef idx="0">
+            <a:schemeClr val="accent1"/>
+          </a:fillRef>
+          <a:effectRef idx="0">
+            <a:schemeClr val="accent1"/>
+          </a:effectRef>
+          <a:fontRef idx="minor">
+            <a:schemeClr val="tx1"/>
+          </a:fontRef>
+        </p:style>
+      </p:cxnSp>
+      <p:cxnSp>
+        <p:nvCxnSpPr>
+          <p:cNvPr id="75" name="직선 연결선 74">
+            <a:extLst>
+              <a:ext uri="{FF2B5EF4-FFF2-40B4-BE49-F238E27FC236}">
+                <a16:creationId xmlns:a16="http://schemas.microsoft.com/office/drawing/2014/main" id="{F45B90DB-D2AB-4E19-A042-4FC689EFEFF1}"/>
+              </a:ext>
+            </a:extLst>
+          </p:cNvPr>
+          <p:cNvCxnSpPr>
+            <a:cxnSpLocks/>
+            <a:stCxn id="9" idx="2"/>
+            <a:endCxn id="28" idx="0"/>
+          </p:cNvCxnSpPr>
+          <p:nvPr/>
+        </p:nvCxnSpPr>
+        <p:spPr>
+          <a:xfrm flipH="1">
+            <a:off x="4572000" y="2641397"/>
+            <a:ext cx="1865495" cy="476438"/>
+          </a:xfrm>
+          <a:prstGeom prst="line">
+            <a:avLst/>
+          </a:prstGeom>
+          <a:ln w="28575">
+            <a:solidFill>
+              <a:schemeClr val="tx1"/>
+            </a:solidFill>
+          </a:ln>
+        </p:spPr>
+        <p:style>
+          <a:lnRef idx="1">
+            <a:schemeClr val="accent1"/>
+          </a:lnRef>
+          <a:fillRef idx="0">
+            <a:schemeClr val="accent1"/>
+          </a:fillRef>
+          <a:effectRef idx="0">
+            <a:schemeClr val="accent1"/>
+          </a:effectRef>
+          <a:fontRef idx="minor">
+            <a:schemeClr val="tx1"/>
+          </a:fontRef>
+        </p:style>
+      </p:cxnSp>
+      <p:cxnSp>
+        <p:nvCxnSpPr>
+          <p:cNvPr id="78" name="직선 연결선 77">
+            <a:extLst>
+              <a:ext uri="{FF2B5EF4-FFF2-40B4-BE49-F238E27FC236}">
+                <a16:creationId xmlns:a16="http://schemas.microsoft.com/office/drawing/2014/main" id="{36963A9D-7617-429D-82C2-FB5244502396}"/>
+              </a:ext>
+            </a:extLst>
+          </p:cNvPr>
+          <p:cNvCxnSpPr>
+            <a:cxnSpLocks/>
+            <a:stCxn id="46" idx="2"/>
+            <a:endCxn id="8" idx="0"/>
+          </p:cNvCxnSpPr>
+          <p:nvPr/>
+        </p:nvCxnSpPr>
+        <p:spPr>
+          <a:xfrm>
+            <a:off x="2699749" y="2641397"/>
+            <a:ext cx="4284265" cy="1605191"/>
           </a:xfrm>
           <a:prstGeom prst="line">
             <a:avLst/>
@@ -5174,7 +6836,7 @@
         </p:nvGrpSpPr>
         <p:grpSpPr>
           <a:xfrm>
-            <a:off x="1205753" y="2565025"/>
+            <a:off x="1205753" y="3117835"/>
             <a:ext cx="6732113" cy="559414"/>
             <a:chOff x="1205753" y="2664712"/>
             <a:chExt cx="6732113" cy="360040"/>
@@ -5361,631 +7023,6 @@
           </p:txBody>
         </p:sp>
       </p:grpSp>
-      <p:cxnSp>
-        <p:nvCxnSpPr>
-          <p:cNvPr id="40" name="직선 연결선 39">
-            <a:extLst>
-              <a:ext uri="{FF2B5EF4-FFF2-40B4-BE49-F238E27FC236}">
-                <a16:creationId xmlns:a16="http://schemas.microsoft.com/office/drawing/2014/main" id="{00FEAE21-56EE-4C50-8765-79F2DAC0B656}"/>
-              </a:ext>
-            </a:extLst>
-          </p:cNvPr>
-          <p:cNvCxnSpPr>
-            <a:cxnSpLocks/>
-            <a:stCxn id="9" idx="2"/>
-            <a:endCxn id="7" idx="0"/>
-          </p:cNvCxnSpPr>
-          <p:nvPr/>
-        </p:nvCxnSpPr>
-        <p:spPr>
-          <a:xfrm flipH="1">
-            <a:off x="2159986" y="1995686"/>
-            <a:ext cx="2412014" cy="1698092"/>
-          </a:xfrm>
-          <a:prstGeom prst="line">
-            <a:avLst/>
-          </a:prstGeom>
-          <a:ln w="28575">
-            <a:solidFill>
-              <a:schemeClr val="tx1"/>
-            </a:solidFill>
-          </a:ln>
-        </p:spPr>
-        <p:style>
-          <a:lnRef idx="1">
-            <a:schemeClr val="accent1"/>
-          </a:lnRef>
-          <a:fillRef idx="0">
-            <a:schemeClr val="accent1"/>
-          </a:fillRef>
-          <a:effectRef idx="0">
-            <a:schemeClr val="accent1"/>
-          </a:effectRef>
-          <a:fontRef idx="minor">
-            <a:schemeClr val="tx1"/>
-          </a:fontRef>
-        </p:style>
-      </p:cxnSp>
-      <p:cxnSp>
-        <p:nvCxnSpPr>
-          <p:cNvPr id="44" name="직선 연결선 43">
-            <a:extLst>
-              <a:ext uri="{FF2B5EF4-FFF2-40B4-BE49-F238E27FC236}">
-                <a16:creationId xmlns:a16="http://schemas.microsoft.com/office/drawing/2014/main" id="{2E35BB13-30D8-48AC-99CB-4E61ED3BDFED}"/>
-              </a:ext>
-            </a:extLst>
-          </p:cNvPr>
-          <p:cNvCxnSpPr>
-            <a:cxnSpLocks/>
-            <a:stCxn id="9" idx="2"/>
-            <a:endCxn id="21" idx="0"/>
-          </p:cNvCxnSpPr>
-          <p:nvPr/>
-        </p:nvCxnSpPr>
-        <p:spPr>
-          <a:xfrm flipH="1">
-            <a:off x="2159859" y="1995686"/>
-            <a:ext cx="2412141" cy="569339"/>
-          </a:xfrm>
-          <a:prstGeom prst="line">
-            <a:avLst/>
-          </a:prstGeom>
-          <a:ln w="28575">
-            <a:solidFill>
-              <a:schemeClr val="tx1"/>
-            </a:solidFill>
-          </a:ln>
-        </p:spPr>
-        <p:style>
-          <a:lnRef idx="1">
-            <a:schemeClr val="accent1"/>
-          </a:lnRef>
-          <a:fillRef idx="0">
-            <a:schemeClr val="accent1"/>
-          </a:fillRef>
-          <a:effectRef idx="0">
-            <a:schemeClr val="accent1"/>
-          </a:effectRef>
-          <a:fontRef idx="minor">
-            <a:schemeClr val="tx1"/>
-          </a:fontRef>
-        </p:style>
-      </p:cxnSp>
-      <p:cxnSp>
-        <p:nvCxnSpPr>
-          <p:cNvPr id="47" name="직선 연결선 46">
-            <a:extLst>
-              <a:ext uri="{FF2B5EF4-FFF2-40B4-BE49-F238E27FC236}">
-                <a16:creationId xmlns:a16="http://schemas.microsoft.com/office/drawing/2014/main" id="{386C88B1-4130-4DA0-8955-4D2DAEFB9764}"/>
-              </a:ext>
-            </a:extLst>
-          </p:cNvPr>
-          <p:cNvCxnSpPr>
-            <a:cxnSpLocks/>
-            <a:stCxn id="9" idx="2"/>
-            <a:endCxn id="20" idx="0"/>
-          </p:cNvCxnSpPr>
-          <p:nvPr/>
-        </p:nvCxnSpPr>
-        <p:spPr>
-          <a:xfrm>
-            <a:off x="4572000" y="1995686"/>
-            <a:ext cx="2411760" cy="569339"/>
-          </a:xfrm>
-          <a:prstGeom prst="line">
-            <a:avLst/>
-          </a:prstGeom>
-          <a:ln w="28575">
-            <a:solidFill>
-              <a:schemeClr val="tx1"/>
-            </a:solidFill>
-          </a:ln>
-        </p:spPr>
-        <p:style>
-          <a:lnRef idx="1">
-            <a:schemeClr val="accent1"/>
-          </a:lnRef>
-          <a:fillRef idx="0">
-            <a:schemeClr val="accent1"/>
-          </a:fillRef>
-          <a:effectRef idx="0">
-            <a:schemeClr val="accent1"/>
-          </a:effectRef>
-          <a:fontRef idx="minor">
-            <a:schemeClr val="tx1"/>
-          </a:fontRef>
-        </p:style>
-      </p:cxnSp>
-      <p:cxnSp>
-        <p:nvCxnSpPr>
-          <p:cNvPr id="50" name="직선 연결선 49">
-            <a:extLst>
-              <a:ext uri="{FF2B5EF4-FFF2-40B4-BE49-F238E27FC236}">
-                <a16:creationId xmlns:a16="http://schemas.microsoft.com/office/drawing/2014/main" id="{A31BCCF3-7E7E-44FF-8137-1F81B78C7A39}"/>
-              </a:ext>
-            </a:extLst>
-          </p:cNvPr>
-          <p:cNvCxnSpPr>
-            <a:cxnSpLocks/>
-            <a:stCxn id="9" idx="2"/>
-            <a:endCxn id="8" idx="0"/>
-          </p:cNvCxnSpPr>
-          <p:nvPr/>
-        </p:nvCxnSpPr>
-        <p:spPr>
-          <a:xfrm>
-            <a:off x="4572000" y="1995686"/>
-            <a:ext cx="2412014" cy="1698092"/>
-          </a:xfrm>
-          <a:prstGeom prst="line">
-            <a:avLst/>
-          </a:prstGeom>
-          <a:ln w="28575">
-            <a:solidFill>
-              <a:schemeClr val="tx1"/>
-            </a:solidFill>
-          </a:ln>
-        </p:spPr>
-        <p:style>
-          <a:lnRef idx="1">
-            <a:schemeClr val="accent1"/>
-          </a:lnRef>
-          <a:fillRef idx="0">
-            <a:schemeClr val="accent1"/>
-          </a:fillRef>
-          <a:effectRef idx="0">
-            <a:schemeClr val="accent1"/>
-          </a:effectRef>
-          <a:fontRef idx="minor">
-            <a:schemeClr val="tx1"/>
-          </a:fontRef>
-        </p:style>
-      </p:cxnSp>
-      <p:cxnSp>
-        <p:nvCxnSpPr>
-          <p:cNvPr id="64" name="직선 연결선 63">
-            <a:extLst>
-              <a:ext uri="{FF2B5EF4-FFF2-40B4-BE49-F238E27FC236}">
-                <a16:creationId xmlns:a16="http://schemas.microsoft.com/office/drawing/2014/main" id="{B96B0FA1-76F3-46B2-85A1-8B360CD71C1D}"/>
-              </a:ext>
-            </a:extLst>
-          </p:cNvPr>
-          <p:cNvCxnSpPr>
-            <a:cxnSpLocks/>
-            <a:endCxn id="21" idx="2"/>
-          </p:cNvCxnSpPr>
-          <p:nvPr/>
-        </p:nvCxnSpPr>
-        <p:spPr>
-          <a:xfrm flipH="1" flipV="1">
-            <a:off x="2159859" y="3124439"/>
-            <a:ext cx="2338058" cy="564911"/>
-          </a:xfrm>
-          <a:prstGeom prst="line">
-            <a:avLst/>
-          </a:prstGeom>
-          <a:ln w="28575">
-            <a:solidFill>
-              <a:schemeClr val="tx2"/>
-            </a:solidFill>
-          </a:ln>
-        </p:spPr>
-        <p:style>
-          <a:lnRef idx="1">
-            <a:schemeClr val="accent1"/>
-          </a:lnRef>
-          <a:fillRef idx="0">
-            <a:schemeClr val="accent1"/>
-          </a:fillRef>
-          <a:effectRef idx="0">
-            <a:schemeClr val="accent1"/>
-          </a:effectRef>
-          <a:fontRef idx="minor">
-            <a:schemeClr val="tx1"/>
-          </a:fontRef>
-        </p:style>
-      </p:cxnSp>
-      <p:cxnSp>
-        <p:nvCxnSpPr>
-          <p:cNvPr id="67" name="직선 연결선 66">
-            <a:extLst>
-              <a:ext uri="{FF2B5EF4-FFF2-40B4-BE49-F238E27FC236}">
-                <a16:creationId xmlns:a16="http://schemas.microsoft.com/office/drawing/2014/main" id="{0922BCD3-581E-4C2A-9EF3-BA72D5A4E5DA}"/>
-              </a:ext>
-            </a:extLst>
-          </p:cNvPr>
-          <p:cNvCxnSpPr>
-            <a:cxnSpLocks/>
-            <a:stCxn id="8" idx="0"/>
-            <a:endCxn id="21" idx="2"/>
-          </p:cNvCxnSpPr>
-          <p:nvPr/>
-        </p:nvCxnSpPr>
-        <p:spPr>
-          <a:xfrm flipH="1" flipV="1">
-            <a:off x="2159859" y="3124439"/>
-            <a:ext cx="4824155" cy="569339"/>
-          </a:xfrm>
-          <a:prstGeom prst="line">
-            <a:avLst/>
-          </a:prstGeom>
-          <a:ln w="28575">
-            <a:solidFill>
-              <a:schemeClr val="tx2"/>
-            </a:solidFill>
-          </a:ln>
-        </p:spPr>
-        <p:style>
-          <a:lnRef idx="1">
-            <a:schemeClr val="accent1"/>
-          </a:lnRef>
-          <a:fillRef idx="0">
-            <a:schemeClr val="accent1"/>
-          </a:fillRef>
-          <a:effectRef idx="0">
-            <a:schemeClr val="accent1"/>
-          </a:effectRef>
-          <a:fontRef idx="minor">
-            <a:schemeClr val="tx1"/>
-          </a:fontRef>
-        </p:style>
-      </p:cxnSp>
-      <p:cxnSp>
-        <p:nvCxnSpPr>
-          <p:cNvPr id="70" name="직선 연결선 69">
-            <a:extLst>
-              <a:ext uri="{FF2B5EF4-FFF2-40B4-BE49-F238E27FC236}">
-                <a16:creationId xmlns:a16="http://schemas.microsoft.com/office/drawing/2014/main" id="{45B57142-92FC-47AF-AFA8-0B5C4AD058A0}"/>
-              </a:ext>
-            </a:extLst>
-          </p:cNvPr>
-          <p:cNvCxnSpPr>
-            <a:cxnSpLocks/>
-          </p:cNvCxnSpPr>
-          <p:nvPr/>
-        </p:nvCxnSpPr>
-        <p:spPr>
-          <a:xfrm flipV="1">
-            <a:off x="2165936" y="3139466"/>
-            <a:ext cx="2348514" cy="536704"/>
-          </a:xfrm>
-          <a:prstGeom prst="line">
-            <a:avLst/>
-          </a:prstGeom>
-          <a:ln w="28575">
-            <a:solidFill>
-              <a:schemeClr val="tx2"/>
-            </a:solidFill>
-          </a:ln>
-        </p:spPr>
-        <p:style>
-          <a:lnRef idx="1">
-            <a:schemeClr val="accent1"/>
-          </a:lnRef>
-          <a:fillRef idx="0">
-            <a:schemeClr val="accent1"/>
-          </a:fillRef>
-          <a:effectRef idx="0">
-            <a:schemeClr val="accent1"/>
-          </a:effectRef>
-          <a:fontRef idx="minor">
-            <a:schemeClr val="tx1"/>
-          </a:fontRef>
-        </p:style>
-      </p:cxnSp>
-      <p:cxnSp>
-        <p:nvCxnSpPr>
-          <p:cNvPr id="79" name="직선 연결선 78">
-            <a:extLst>
-              <a:ext uri="{FF2B5EF4-FFF2-40B4-BE49-F238E27FC236}">
-                <a16:creationId xmlns:a16="http://schemas.microsoft.com/office/drawing/2014/main" id="{19CC5448-ACF1-4095-80B5-63605B4CDCF5}"/>
-              </a:ext>
-            </a:extLst>
-          </p:cNvPr>
-          <p:cNvCxnSpPr>
-            <a:cxnSpLocks/>
-            <a:stCxn id="7" idx="0"/>
-            <a:endCxn id="20" idx="2"/>
-          </p:cNvCxnSpPr>
-          <p:nvPr/>
-        </p:nvCxnSpPr>
-        <p:spPr>
-          <a:xfrm flipV="1">
-            <a:off x="2159986" y="3124439"/>
-            <a:ext cx="4823774" cy="569339"/>
-          </a:xfrm>
-          <a:prstGeom prst="line">
-            <a:avLst/>
-          </a:prstGeom>
-          <a:ln w="28575">
-            <a:solidFill>
-              <a:schemeClr val="tx2"/>
-            </a:solidFill>
-          </a:ln>
-        </p:spPr>
-        <p:style>
-          <a:lnRef idx="1">
-            <a:schemeClr val="accent1"/>
-          </a:lnRef>
-          <a:fillRef idx="0">
-            <a:schemeClr val="accent1"/>
-          </a:fillRef>
-          <a:effectRef idx="0">
-            <a:schemeClr val="accent1"/>
-          </a:effectRef>
-          <a:fontRef idx="minor">
-            <a:schemeClr val="tx1"/>
-          </a:fontRef>
-        </p:style>
-      </p:cxnSp>
-      <p:cxnSp>
-        <p:nvCxnSpPr>
-          <p:cNvPr id="82" name="직선 연결선 81">
-            <a:extLst>
-              <a:ext uri="{FF2B5EF4-FFF2-40B4-BE49-F238E27FC236}">
-                <a16:creationId xmlns:a16="http://schemas.microsoft.com/office/drawing/2014/main" id="{F5137A6F-1DA0-4CA0-A730-67BEEDFAAE06}"/>
-              </a:ext>
-            </a:extLst>
-          </p:cNvPr>
-          <p:cNvCxnSpPr>
-            <a:cxnSpLocks/>
-          </p:cNvCxnSpPr>
-          <p:nvPr/>
-        </p:nvCxnSpPr>
-        <p:spPr>
-          <a:xfrm flipH="1" flipV="1">
-            <a:off x="4487597" y="3127731"/>
-            <a:ext cx="2484338" cy="536704"/>
-          </a:xfrm>
-          <a:prstGeom prst="line">
-            <a:avLst/>
-          </a:prstGeom>
-          <a:ln w="28575">
-            <a:solidFill>
-              <a:schemeClr val="tx2"/>
-            </a:solidFill>
-          </a:ln>
-        </p:spPr>
-        <p:style>
-          <a:lnRef idx="1">
-            <a:schemeClr val="accent1"/>
-          </a:lnRef>
-          <a:fillRef idx="0">
-            <a:schemeClr val="accent1"/>
-          </a:fillRef>
-          <a:effectRef idx="0">
-            <a:schemeClr val="accent1"/>
-          </a:effectRef>
-          <a:fontRef idx="minor">
-            <a:schemeClr val="tx1"/>
-          </a:fontRef>
-        </p:style>
-      </p:cxnSp>
-      <p:cxnSp>
-        <p:nvCxnSpPr>
-          <p:cNvPr id="85" name="직선 연결선 84">
-            <a:extLst>
-              <a:ext uri="{FF2B5EF4-FFF2-40B4-BE49-F238E27FC236}">
-                <a16:creationId xmlns:a16="http://schemas.microsoft.com/office/drawing/2014/main" id="{8FAA5983-A0CC-4BF0-9E0A-DFAA1707D25C}"/>
-              </a:ext>
-            </a:extLst>
-          </p:cNvPr>
-          <p:cNvCxnSpPr>
-            <a:cxnSpLocks/>
-            <a:endCxn id="20" idx="2"/>
-          </p:cNvCxnSpPr>
-          <p:nvPr/>
-        </p:nvCxnSpPr>
-        <p:spPr>
-          <a:xfrm flipV="1">
-            <a:off x="4500033" y="3124439"/>
-            <a:ext cx="2483727" cy="560678"/>
-          </a:xfrm>
-          <a:prstGeom prst="line">
-            <a:avLst/>
-          </a:prstGeom>
-          <a:ln w="28575">
-            <a:solidFill>
-              <a:schemeClr val="tx2"/>
-            </a:solidFill>
-          </a:ln>
-        </p:spPr>
-        <p:style>
-          <a:lnRef idx="1">
-            <a:schemeClr val="accent1"/>
-          </a:lnRef>
-          <a:fillRef idx="0">
-            <a:schemeClr val="accent1"/>
-          </a:fillRef>
-          <a:effectRef idx="0">
-            <a:schemeClr val="accent1"/>
-          </a:effectRef>
-          <a:fontRef idx="minor">
-            <a:schemeClr val="tx1"/>
-          </a:fontRef>
-        </p:style>
-      </p:cxnSp>
-      <p:grpSp>
-        <p:nvGrpSpPr>
-          <p:cNvPr id="116" name="그룹 115">
-            <a:extLst>
-              <a:ext uri="{FF2B5EF4-FFF2-40B4-BE49-F238E27FC236}">
-                <a16:creationId xmlns:a16="http://schemas.microsoft.com/office/drawing/2014/main" id="{BB11ACE4-6E37-40E5-970F-6BFECC62DBBB}"/>
-              </a:ext>
-            </a:extLst>
-          </p:cNvPr>
-          <p:cNvGrpSpPr/>
-          <p:nvPr/>
-        </p:nvGrpSpPr>
-        <p:grpSpPr>
-          <a:xfrm>
-            <a:off x="3617894" y="1226852"/>
-            <a:ext cx="1908212" cy="768834"/>
-            <a:chOff x="3617894" y="1347614"/>
-            <a:chExt cx="1908212" cy="768834"/>
-          </a:xfrm>
-        </p:grpSpPr>
-        <p:sp>
-          <p:nvSpPr>
-            <p:cNvPr id="9" name="사각형: 둥근 모서리 8">
-              <a:extLst>
-                <a:ext uri="{FF2B5EF4-FFF2-40B4-BE49-F238E27FC236}">
-                  <a16:creationId xmlns:a16="http://schemas.microsoft.com/office/drawing/2014/main" id="{D02BE6FB-C498-40F0-B20F-95561AFAB976}"/>
-                </a:ext>
-              </a:extLst>
-            </p:cNvPr>
-            <p:cNvSpPr/>
-            <p:nvPr/>
-          </p:nvSpPr>
-          <p:spPr>
-            <a:xfrm>
-              <a:off x="3617894" y="1347614"/>
-              <a:ext cx="1908212" cy="768834"/>
-            </a:xfrm>
-            <a:prstGeom prst="roundRect">
-              <a:avLst/>
-            </a:prstGeom>
-          </p:spPr>
-          <p:style>
-            <a:lnRef idx="2">
-              <a:schemeClr val="dk1"/>
-            </a:lnRef>
-            <a:fillRef idx="1">
-              <a:schemeClr val="lt1"/>
-            </a:fillRef>
-            <a:effectRef idx="0">
-              <a:schemeClr val="dk1"/>
-            </a:effectRef>
-            <a:fontRef idx="minor">
-              <a:schemeClr val="dk1"/>
-            </a:fontRef>
-          </p:style>
-          <p:txBody>
-            <a:bodyPr rtlCol="0" anchor="t"/>
-            <a:lstStyle/>
-            <a:p>
-              <a:pPr algn="ctr"/>
-              <a:r>
-                <a:rPr lang="en-US" altLang="ko-KR" sz="1600"/>
-                <a:t>Client</a:t>
-              </a:r>
-              <a:endParaRPr lang="ko-KR" altLang="en-US"/>
-            </a:p>
-          </p:txBody>
-        </p:sp>
-        <p:sp>
-          <p:nvSpPr>
-            <p:cNvPr id="99" name="사각형: 둥근 모서리 98">
-              <a:extLst>
-                <a:ext uri="{FF2B5EF4-FFF2-40B4-BE49-F238E27FC236}">
-                  <a16:creationId xmlns:a16="http://schemas.microsoft.com/office/drawing/2014/main" id="{1DE21721-CCF0-4C7C-9FFA-84DB359054EC}"/>
-                </a:ext>
-              </a:extLst>
-            </p:cNvPr>
-            <p:cNvSpPr/>
-            <p:nvPr/>
-          </p:nvSpPr>
-          <p:spPr>
-            <a:xfrm>
-              <a:off x="3707904" y="1730514"/>
-              <a:ext cx="1728192" cy="293071"/>
-            </a:xfrm>
-            <a:prstGeom prst="roundRect">
-              <a:avLst>
-                <a:gd name="adj" fmla="val 27067"/>
-              </a:avLst>
-            </a:prstGeom>
-          </p:spPr>
-          <p:style>
-            <a:lnRef idx="2">
-              <a:schemeClr val="dk1"/>
-            </a:lnRef>
-            <a:fillRef idx="1">
-              <a:schemeClr val="lt1"/>
-            </a:fillRef>
-            <a:effectRef idx="0">
-              <a:schemeClr val="dk1"/>
-            </a:effectRef>
-            <a:fontRef idx="minor">
-              <a:schemeClr val="dk1"/>
-            </a:fontRef>
-          </p:style>
-          <p:txBody>
-            <a:bodyPr rtlCol="0" anchor="ctr"/>
-            <a:lstStyle/>
-            <a:p>
-              <a:pPr algn="ctr"/>
-              <a:r>
-                <a:rPr lang="en-US" altLang="ko-KR" sz="1600"/>
-                <a:t>Cluster Lib</a:t>
-              </a:r>
-              <a:endParaRPr lang="ko-KR" altLang="en-US"/>
-            </a:p>
-          </p:txBody>
-        </p:sp>
-      </p:grpSp>
-      <p:sp>
-        <p:nvSpPr>
-          <p:cNvPr id="29" name="사각형: 둥근 모서리 28">
-            <a:extLst>
-              <a:ext uri="{FF2B5EF4-FFF2-40B4-BE49-F238E27FC236}">
-                <a16:creationId xmlns:a16="http://schemas.microsoft.com/office/drawing/2014/main" id="{B91013CC-BE82-49FF-859B-68C5C97FA545}"/>
-              </a:ext>
-            </a:extLst>
-          </p:cNvPr>
-          <p:cNvSpPr/>
-          <p:nvPr/>
-        </p:nvSpPr>
-        <p:spPr>
-          <a:xfrm>
-            <a:off x="930656" y="3217302"/>
-            <a:ext cx="1728192" cy="293071"/>
-          </a:xfrm>
-          <a:prstGeom prst="roundRect">
-            <a:avLst>
-              <a:gd name="adj" fmla="val 27067"/>
-            </a:avLst>
-          </a:prstGeom>
-          <a:noFill/>
-          <a:ln>
-            <a:noFill/>
-          </a:ln>
-        </p:spPr>
-        <p:style>
-          <a:lnRef idx="2">
-            <a:schemeClr val="dk1"/>
-          </a:lnRef>
-          <a:fillRef idx="1">
-            <a:schemeClr val="lt1"/>
-          </a:fillRef>
-          <a:effectRef idx="0">
-            <a:schemeClr val="dk1"/>
-          </a:effectRef>
-          <a:fontRef idx="minor">
-            <a:schemeClr val="dk1"/>
-          </a:fontRef>
-        </p:style>
-        <p:txBody>
-          <a:bodyPr rtlCol="0" anchor="ctr"/>
-          <a:lstStyle/>
-          <a:p>
-            <a:pPr algn="ctr"/>
-            <a:r>
-              <a:rPr lang="en-US" altLang="ko-KR" sz="1600">
-                <a:solidFill>
-                  <a:schemeClr val="tx2"/>
-                </a:solidFill>
-              </a:rPr>
-              <a:t>gossip</a:t>
-            </a:r>
-            <a:endParaRPr lang="ko-KR" altLang="en-US" sz="1600">
-              <a:solidFill>
-                <a:schemeClr val="tx2"/>
-              </a:solidFill>
-            </a:endParaRPr>
-          </a:p>
-        </p:txBody>
-      </p:sp>
     </p:spTree>
     <p:extLst>
       <p:ext uri="{BB962C8B-B14F-4D97-AF65-F5344CB8AC3E}">
